--- a/Prezentare/Termostat inteligent controlat printr-o aplicație web2.pptx
+++ b/Prezentare/Termostat inteligent controlat printr-o aplicație web2.pptx
@@ -8826,7 +8826,7 @@
         </p:nvSpPr>
         <p:spPr>
           <a:xfrm>
-            <a:off x="631372" y="624110"/>
+            <a:off x="631370" y="624110"/>
             <a:ext cx="10873242" cy="1280890"/>
           </a:xfrm>
         </p:spPr>
@@ -10324,233 +10324,6 @@
       </p:grpSpPr>
       <p:sp>
         <p:nvSpPr>
-          <p:cNvPr id="2" name="Titlu 1">
-            <a:extLst>
-              <a:ext uri="{FF2B5EF4-FFF2-40B4-BE49-F238E27FC236}">
-                <a16:creationId xmlns:a16="http://schemas.microsoft.com/office/drawing/2014/main" id="{FC33116A-955E-4F82-82B3-25A740AEFDAC}"/>
-              </a:ext>
-            </a:extLst>
-          </p:cNvPr>
-          <p:cNvSpPr>
-            <a:spLocks noGrp="1"/>
-          </p:cNvSpPr>
-          <p:nvPr>
-            <p:ph type="title"/>
-          </p:nvPr>
-        </p:nvSpPr>
-        <p:spPr>
-          <a:xfrm>
-            <a:off x="648930" y="629269"/>
-            <a:ext cx="4437420" cy="1047132"/>
-          </a:xfrm>
-        </p:spPr>
-        <p:txBody>
-          <a:bodyPr>
-            <a:normAutofit/>
-          </a:bodyPr>
-          <a:lstStyle/>
-          <a:p>
-            <a:r>
-              <a:rPr lang="en-US" dirty="0" err="1"/>
-              <a:t>Implementar</a:t>
-            </a:r>
-            <a:r>
-              <a:rPr lang="ro-RO" dirty="0"/>
-              <a:t>ea soluției</a:t>
-            </a:r>
-            <a:endParaRPr lang="en-US" dirty="0"/>
-          </a:p>
-        </p:txBody>
-      </p:sp>
-      <p:sp>
-        <p:nvSpPr>
-          <p:cNvPr id="3" name="Substituent conținut 2">
-            <a:extLst>
-              <a:ext uri="{FF2B5EF4-FFF2-40B4-BE49-F238E27FC236}">
-                <a16:creationId xmlns:a16="http://schemas.microsoft.com/office/drawing/2014/main" id="{C4DCD2B8-1A48-4272-B123-CFAE55448BAD}"/>
-              </a:ext>
-            </a:extLst>
-          </p:cNvPr>
-          <p:cNvSpPr>
-            <a:spLocks noGrp="1"/>
-          </p:cNvSpPr>
-          <p:nvPr>
-            <p:ph idx="1"/>
-          </p:nvPr>
-        </p:nvSpPr>
-        <p:spPr>
-          <a:xfrm>
-            <a:off x="648931" y="1880114"/>
-            <a:ext cx="3825098" cy="3972231"/>
-          </a:xfrm>
-        </p:spPr>
-        <p:txBody>
-          <a:bodyPr>
-            <a:normAutofit fontScale="25000" lnSpcReduction="20000"/>
-          </a:bodyPr>
-          <a:lstStyle/>
-          <a:p>
-            <a:pPr>
-              <a:buFont typeface="Arial" panose="020B0604020202020204" pitchFamily="34" charset="0"/>
-              <a:buChar char="•"/>
-            </a:pPr>
-            <a:r>
-              <a:rPr lang="en-US" sz="8000" dirty="0" err="1"/>
-              <a:t>Principalele</a:t>
-            </a:r>
-            <a:r>
-              <a:rPr lang="en-US" sz="8000" dirty="0"/>
-              <a:t> </a:t>
-            </a:r>
-            <a:r>
-              <a:rPr lang="en-US" sz="8000" dirty="0" err="1"/>
-              <a:t>func</a:t>
-            </a:r>
-            <a:r>
-              <a:rPr lang="ro-RO" sz="8000" dirty="0" err="1"/>
-              <a:t>ționalități</a:t>
-            </a:r>
-            <a:r>
-              <a:rPr lang="en-US" sz="8000" dirty="0"/>
-              <a:t>:</a:t>
-            </a:r>
-          </a:p>
-          <a:p>
-            <a:pPr lvl="1">
-              <a:buFont typeface="Wingdings" panose="05000000000000000000" pitchFamily="2" charset="2"/>
-              <a:buChar char="Ø"/>
-            </a:pPr>
-            <a:r>
-              <a:rPr lang="en-US" sz="7200" dirty="0" err="1"/>
-              <a:t>Permite</a:t>
-            </a:r>
-            <a:r>
-              <a:rPr lang="en-US" sz="7200" dirty="0"/>
-              <a:t> </a:t>
-            </a:r>
-            <a:r>
-              <a:rPr lang="en-US" sz="7200" dirty="0" err="1"/>
-              <a:t>setarea</a:t>
-            </a:r>
-            <a:r>
-              <a:rPr lang="en-US" sz="7200" dirty="0"/>
-              <a:t> </a:t>
-            </a:r>
-            <a:r>
-              <a:rPr lang="en-US" sz="7200" dirty="0" err="1"/>
-              <a:t>temperaturii</a:t>
-            </a:r>
-            <a:endParaRPr lang="en-US" sz="7200" dirty="0"/>
-          </a:p>
-          <a:p>
-            <a:pPr lvl="1">
-              <a:buFont typeface="Wingdings" panose="05000000000000000000" pitchFamily="2" charset="2"/>
-              <a:buChar char="Ø"/>
-            </a:pPr>
-            <a:r>
-              <a:rPr lang="en-US" sz="7200" dirty="0"/>
-              <a:t>Cite</a:t>
-            </a:r>
-            <a:r>
-              <a:rPr lang="ro-RO" sz="7200" dirty="0" err="1"/>
-              <a:t>ște</a:t>
-            </a:r>
-            <a:r>
-              <a:rPr lang="ro-RO" sz="7200" dirty="0"/>
-              <a:t> valoarea umidității și temperaturii ambientale</a:t>
-            </a:r>
-          </a:p>
-          <a:p>
-            <a:pPr lvl="1">
-              <a:buFont typeface="Wingdings" panose="05000000000000000000" pitchFamily="2" charset="2"/>
-              <a:buChar char="Ø"/>
-            </a:pPr>
-            <a:r>
-              <a:rPr lang="ro-RO" sz="7200" dirty="0"/>
-              <a:t>Trimite valorile citite în baza de date</a:t>
-            </a:r>
-          </a:p>
-          <a:p>
-            <a:pPr lvl="1">
-              <a:buFont typeface="Wingdings" panose="05000000000000000000" pitchFamily="2" charset="2"/>
-              <a:buChar char="Ø"/>
-            </a:pPr>
-            <a:r>
-              <a:rPr lang="ro-RO" sz="7200" dirty="0"/>
-              <a:t>Afișează pe LCD valoarea temperaturii</a:t>
-            </a:r>
-          </a:p>
-          <a:p>
-            <a:pPr lvl="1">
-              <a:buFont typeface="Wingdings" panose="05000000000000000000" pitchFamily="2" charset="2"/>
-              <a:buChar char="Ø"/>
-            </a:pPr>
-            <a:r>
-              <a:rPr lang="ro-RO" sz="7200" dirty="0"/>
-              <a:t>Controlează închiderea sau deschiderea electrovalvei</a:t>
-            </a:r>
-          </a:p>
-          <a:p>
-            <a:pPr lvl="1">
-              <a:buFont typeface="Wingdings" panose="05000000000000000000" pitchFamily="2" charset="2"/>
-              <a:buChar char="Ø"/>
-            </a:pPr>
-            <a:r>
-              <a:rPr lang="ro-RO" sz="7200" dirty="0"/>
-              <a:t>Trimite comandă pentru pornirea sau oprirea centralei termice</a:t>
-            </a:r>
-            <a:endParaRPr lang="en-US" sz="7200" dirty="0"/>
-          </a:p>
-          <a:p>
-            <a:pPr marL="0" indent="0">
-              <a:buNone/>
-            </a:pPr>
-            <a:endParaRPr lang="ro-RO" sz="2200" dirty="0"/>
-          </a:p>
-          <a:p>
-            <a:endParaRPr lang="en-US" sz="1600" dirty="0"/>
-          </a:p>
-        </p:txBody>
-      </p:sp>
-      <p:pic>
-        <p:nvPicPr>
-          <p:cNvPr id="5" name="Imagine 4">
-            <a:extLst>
-              <a:ext uri="{FF2B5EF4-FFF2-40B4-BE49-F238E27FC236}">
-                <a16:creationId xmlns:a16="http://schemas.microsoft.com/office/drawing/2014/main" id="{0C690B21-DCBA-4D43-86AB-060FBE087548}"/>
-              </a:ext>
-            </a:extLst>
-          </p:cNvPr>
-          <p:cNvPicPr>
-            <a:picLocks noChangeAspect="1"/>
-          </p:cNvPicPr>
-          <p:nvPr/>
-        </p:nvPicPr>
-        <p:blipFill>
-          <a:blip r:embed="rId2">
-            <a:extLst>
-              <a:ext uri="{28A0092B-C50C-407E-A947-70E740481C1C}">
-                <a14:useLocalDpi xmlns:a14="http://schemas.microsoft.com/office/drawing/2010/main" val="0"/>
-              </a:ext>
-            </a:extLst>
-          </a:blip>
-          <a:stretch>
-            <a:fillRect/>
-          </a:stretch>
-        </p:blipFill>
-        <p:spPr>
-          <a:xfrm>
-            <a:off x="4474029" y="1440428"/>
-            <a:ext cx="7315200" cy="4114800"/>
-          </a:xfrm>
-          <a:prstGeom prst="rect">
-            <a:avLst/>
-          </a:prstGeom>
-          <a:effectLst/>
-        </p:spPr>
-      </p:pic>
-      <p:sp>
-        <p:nvSpPr>
           <p:cNvPr id="7" name="Substituent număr diapozitiv 6">
             <a:extLst>
               <a:ext uri="{FF2B5EF4-FFF2-40B4-BE49-F238E27FC236}">
@@ -10576,6 +10349,111 @@
               <a:t>6</a:t>
             </a:fld>
             <a:endParaRPr lang="en-US" dirty="0"/>
+          </a:p>
+        </p:txBody>
+      </p:sp>
+      <p:sp>
+        <p:nvSpPr>
+          <p:cNvPr id="10" name="Titlu 1">
+            <a:extLst>
+              <a:ext uri="{FF2B5EF4-FFF2-40B4-BE49-F238E27FC236}">
+                <a16:creationId xmlns:a16="http://schemas.microsoft.com/office/drawing/2014/main" id="{CC6D92C3-082D-4778-88A7-495BA2632D88}"/>
+              </a:ext>
+            </a:extLst>
+          </p:cNvPr>
+          <p:cNvSpPr>
+            <a:spLocks noGrp="1"/>
+          </p:cNvSpPr>
+          <p:nvPr>
+            <p:ph type="title"/>
+          </p:nvPr>
+        </p:nvSpPr>
+        <p:spPr>
+          <a:xfrm>
+            <a:off x="609600" y="624110"/>
+            <a:ext cx="10895013" cy="1280890"/>
+          </a:xfrm>
+        </p:spPr>
+        <p:txBody>
+          <a:bodyPr/>
+          <a:lstStyle/>
+          <a:p>
+            <a:r>
+              <a:rPr lang="ro-RO" dirty="0"/>
+              <a:t>Implementarea soluției</a:t>
+            </a:r>
+            <a:endParaRPr lang="en-US" dirty="0"/>
+          </a:p>
+        </p:txBody>
+      </p:sp>
+      <p:sp>
+        <p:nvSpPr>
+          <p:cNvPr id="11" name="Substituent conținut 2">
+            <a:extLst>
+              <a:ext uri="{FF2B5EF4-FFF2-40B4-BE49-F238E27FC236}">
+                <a16:creationId xmlns:a16="http://schemas.microsoft.com/office/drawing/2014/main" id="{83E83451-DA5F-4D39-B10F-4010DAF943C5}"/>
+              </a:ext>
+            </a:extLst>
+          </p:cNvPr>
+          <p:cNvSpPr>
+            <a:spLocks noGrp="1"/>
+          </p:cNvSpPr>
+          <p:nvPr>
+            <p:ph idx="1"/>
+          </p:nvPr>
+        </p:nvSpPr>
+        <p:spPr>
+          <a:xfrm>
+            <a:off x="609599" y="2133600"/>
+            <a:ext cx="10895013" cy="3777622"/>
+          </a:xfrm>
+        </p:spPr>
+        <p:txBody>
+          <a:bodyPr/>
+          <a:lstStyle/>
+          <a:p>
+            <a:pPr>
+              <a:buFont typeface="Arial" panose="020B0604020202020204" pitchFamily="34" charset="0"/>
+              <a:buChar char="•"/>
+            </a:pPr>
+            <a:r>
+              <a:rPr lang="ro-RO" sz="2200" dirty="0"/>
+              <a:t>Principalele programe utilizate pentru realizarea acestui proiect sunt</a:t>
+            </a:r>
+            <a:r>
+              <a:rPr lang="en-US" sz="2200" dirty="0"/>
+              <a:t>:</a:t>
+            </a:r>
+          </a:p>
+          <a:p>
+            <a:pPr lvl="1">
+              <a:buFont typeface="Wingdings" panose="05000000000000000000" pitchFamily="2" charset="2"/>
+              <a:buChar char="Ø"/>
+            </a:pPr>
+            <a:r>
+              <a:rPr lang="en-US" sz="2000" dirty="0"/>
+              <a:t>Arduino IDE</a:t>
+            </a:r>
+          </a:p>
+          <a:p>
+            <a:pPr lvl="1">
+              <a:buFont typeface="Wingdings" panose="05000000000000000000" pitchFamily="2" charset="2"/>
+              <a:buChar char="Ø"/>
+            </a:pPr>
+            <a:r>
+              <a:rPr lang="en-US" sz="2000" dirty="0"/>
+              <a:t>PyCharm</a:t>
+            </a:r>
+          </a:p>
+          <a:p>
+            <a:pPr marL="0" indent="0">
+              <a:buNone/>
+            </a:pPr>
+            <a:r>
+              <a:rPr lang="en-US" dirty="0"/>
+              <a:t>	</a:t>
+            </a:r>
+            <a:endParaRPr lang="ro-RO" dirty="0"/>
           </a:p>
         </p:txBody>
       </p:sp>
@@ -10611,10 +10489,10 @@
       </p:grpSpPr>
       <p:sp>
         <p:nvSpPr>
-          <p:cNvPr id="2" name="Titlu 1">
+          <p:cNvPr id="14" name="Substituent număr diapozitiv 13">
             <a:extLst>
               <a:ext uri="{FF2B5EF4-FFF2-40B4-BE49-F238E27FC236}">
-                <a16:creationId xmlns:a16="http://schemas.microsoft.com/office/drawing/2014/main" id="{14A0DEDC-4A95-4231-9DCD-EADE6FD2A8AB}"/>
+                <a16:creationId xmlns:a16="http://schemas.microsoft.com/office/drawing/2014/main" id="{40CE3563-C9E7-4486-B324-B4897F6A50E9}"/>
               </a:ext>
             </a:extLst>
           </p:cNvPr>
@@ -10622,48 +10500,29 @@
             <a:spLocks noGrp="1"/>
           </p:cNvSpPr>
           <p:nvPr>
-            <p:ph type="title"/>
-          </p:nvPr>
-        </p:nvSpPr>
-        <p:spPr>
-          <a:xfrm>
-            <a:off x="664030" y="624110"/>
-            <a:ext cx="10840584" cy="1280890"/>
-          </a:xfrm>
-        </p:spPr>
+            <p:ph type="sldNum" sz="quarter" idx="12"/>
+          </p:nvPr>
+        </p:nvSpPr>
+        <p:spPr/>
         <p:txBody>
           <a:bodyPr/>
           <a:lstStyle/>
           <a:p>
-            <a:r>
-              <a:rPr lang="en-US" dirty="0" err="1"/>
-              <a:t>Implementarea</a:t>
-            </a:r>
-            <a:r>
-              <a:rPr lang="en-US" dirty="0"/>
-              <a:t> </a:t>
-            </a:r>
-            <a:r>
-              <a:rPr lang="en-US" dirty="0" err="1"/>
-              <a:t>solu</a:t>
-            </a:r>
-            <a:r>
-              <a:rPr lang="ro-RO" dirty="0" err="1"/>
-              <a:t>ției</a:t>
-            </a:r>
-            <a:r>
-              <a:rPr lang="en-US" dirty="0"/>
-              <a:t> </a:t>
-            </a:r>
-          </a:p>
-        </p:txBody>
-      </p:sp>
-      <p:sp>
-        <p:nvSpPr>
-          <p:cNvPr id="3" name="Substituent conținut 2">
+            <a:fld id="{FE899CAE-04D7-4AFC-956F-C57F365175A7}" type="slidenum">
+              <a:rPr lang="en-US" smtClean="0"/>
+              <a:pPr/>
+              <a:t>7</a:t>
+            </a:fld>
+            <a:endParaRPr lang="en-US" dirty="0"/>
+          </a:p>
+        </p:txBody>
+      </p:sp>
+      <p:sp>
+        <p:nvSpPr>
+          <p:cNvPr id="17" name="Titlu 1">
             <a:extLst>
               <a:ext uri="{FF2B5EF4-FFF2-40B4-BE49-F238E27FC236}">
-                <a16:creationId xmlns:a16="http://schemas.microsoft.com/office/drawing/2014/main" id="{334D18BD-7239-45FB-861D-EF1B27C2526E}"/>
+                <a16:creationId xmlns:a16="http://schemas.microsoft.com/office/drawing/2014/main" id="{1D9AF828-2ABE-43AC-91A5-DE5A869AECBC}"/>
               </a:ext>
             </a:extLst>
           </p:cNvPr>
@@ -10671,13 +10530,13 @@
             <a:spLocks noGrp="1"/>
           </p:cNvSpPr>
           <p:nvPr>
-            <p:ph idx="1"/>
+            <p:ph type="title"/>
           </p:nvPr>
         </p:nvSpPr>
         <p:spPr>
           <a:xfrm>
-            <a:off x="664029" y="1926766"/>
-            <a:ext cx="10840583" cy="3777622"/>
+            <a:off x="664031" y="624110"/>
+            <a:ext cx="5451628" cy="1280890"/>
           </a:xfrm>
         </p:spPr>
         <p:txBody>
@@ -10686,6 +10545,54 @@
           </a:bodyPr>
           <a:lstStyle/>
           <a:p>
+            <a:r>
+              <a:rPr lang="en-US" dirty="0" err="1"/>
+              <a:t>Implementare</a:t>
+            </a:r>
+            <a:r>
+              <a:rPr lang="ro-RO" dirty="0"/>
+              <a:t>a</a:t>
+            </a:r>
+            <a:r>
+              <a:rPr lang="en-US" dirty="0"/>
+              <a:t> </a:t>
+            </a:r>
+            <a:r>
+              <a:rPr lang="ro-RO" dirty="0"/>
+              <a:t>soluției</a:t>
+            </a:r>
+            <a:endParaRPr lang="en-US" dirty="0"/>
+          </a:p>
+        </p:txBody>
+      </p:sp>
+      <p:sp>
+        <p:nvSpPr>
+          <p:cNvPr id="18" name="Substituent conținut 2">
+            <a:extLst>
+              <a:ext uri="{FF2B5EF4-FFF2-40B4-BE49-F238E27FC236}">
+                <a16:creationId xmlns:a16="http://schemas.microsoft.com/office/drawing/2014/main" id="{91908359-576B-40AE-A164-FDCFD2CAE98C}"/>
+              </a:ext>
+            </a:extLst>
+          </p:cNvPr>
+          <p:cNvSpPr>
+            <a:spLocks noGrp="1"/>
+          </p:cNvSpPr>
+          <p:nvPr>
+            <p:ph idx="1"/>
+          </p:nvPr>
+        </p:nvSpPr>
+        <p:spPr>
+          <a:xfrm>
+            <a:off x="664031" y="1883708"/>
+            <a:ext cx="5451628" cy="3456626"/>
+          </a:xfrm>
+        </p:spPr>
+        <p:txBody>
+          <a:bodyPr>
+            <a:normAutofit/>
+          </a:bodyPr>
+          <a:lstStyle/>
+          <a:p>
             <a:pPr>
               <a:buFont typeface="Arial" panose="020B0604020202020204" pitchFamily="34" charset="0"/>
               <a:buChar char="•"/>
@@ -10715,10 +10622,10 @@
       </p:sp>
       <p:sp>
         <p:nvSpPr>
-          <p:cNvPr id="4" name="Oval 3">
+          <p:cNvPr id="19" name="Oval 18">
             <a:extLst>
               <a:ext uri="{FF2B5EF4-FFF2-40B4-BE49-F238E27FC236}">
-                <a16:creationId xmlns:a16="http://schemas.microsoft.com/office/drawing/2014/main" id="{C25A581D-5458-419D-8700-196223F03DAD}"/>
+                <a16:creationId xmlns:a16="http://schemas.microsoft.com/office/drawing/2014/main" id="{90DADF50-9779-432A-918D-F7FA96C8AF75}"/>
               </a:ext>
             </a:extLst>
           </p:cNvPr>
@@ -10727,8 +10634,8 @@
         </p:nvSpPr>
         <p:spPr>
           <a:xfrm>
-            <a:off x="838202" y="3295649"/>
-            <a:ext cx="2390775" cy="1114427"/>
+            <a:off x="968222" y="4303513"/>
+            <a:ext cx="1898159" cy="680641"/>
           </a:xfrm>
           <a:prstGeom prst="ellipse">
             <a:avLst/>
@@ -10755,19 +10662,19 @@
           <a:p>
             <a:pPr algn="ctr"/>
             <a:r>
-              <a:rPr lang="ro-RO" dirty="0"/>
+              <a:rPr lang="ro-RO" sz="1400" dirty="0"/>
               <a:t>Eveniment declanșator</a:t>
             </a:r>
-            <a:endParaRPr lang="en-US" dirty="0"/>
-          </a:p>
-        </p:txBody>
-      </p:sp>
-      <p:sp>
-        <p:nvSpPr>
-          <p:cNvPr id="5" name="Oval 4">
+            <a:endParaRPr lang="en-US" sz="1400" dirty="0"/>
+          </a:p>
+        </p:txBody>
+      </p:sp>
+      <p:sp>
+        <p:nvSpPr>
+          <p:cNvPr id="20" name="Oval 19">
             <a:extLst>
               <a:ext uri="{FF2B5EF4-FFF2-40B4-BE49-F238E27FC236}">
-                <a16:creationId xmlns:a16="http://schemas.microsoft.com/office/drawing/2014/main" id="{E1AE36CC-CBFF-4864-859A-7075C1D13016}"/>
+                <a16:creationId xmlns:a16="http://schemas.microsoft.com/office/drawing/2014/main" id="{447902A2-24FD-40C5-B76C-565908305236}"/>
               </a:ext>
             </a:extLst>
           </p:cNvPr>
@@ -10776,8 +10683,8 @@
         </p:nvSpPr>
         <p:spPr>
           <a:xfrm>
-            <a:off x="4900614" y="3295649"/>
-            <a:ext cx="2390775" cy="1114427"/>
+            <a:off x="4980653" y="4303512"/>
+            <a:ext cx="1901329" cy="680641"/>
           </a:xfrm>
           <a:prstGeom prst="ellipse">
             <a:avLst/>
@@ -10807,35 +10714,35 @@
           <a:p>
             <a:pPr algn="ctr"/>
             <a:r>
-              <a:rPr lang="en-US" dirty="0"/>
+              <a:rPr lang="en-US" sz="1400" dirty="0"/>
               <a:t>Rutina de </a:t>
             </a:r>
             <a:r>
-              <a:rPr lang="en-US" dirty="0" err="1"/>
+              <a:rPr lang="en-US" sz="1400" dirty="0" err="1"/>
               <a:t>tratare</a:t>
             </a:r>
             <a:r>
-              <a:rPr lang="en-US" dirty="0"/>
+              <a:rPr lang="en-US" sz="1400" dirty="0"/>
               <a:t> a </a:t>
             </a:r>
             <a:r>
-              <a:rPr lang="ro-RO" dirty="0"/>
+              <a:rPr lang="ro-RO" sz="1400" dirty="0"/>
               <a:t>î</a:t>
             </a:r>
             <a:r>
-              <a:rPr lang="en-US" dirty="0" err="1"/>
+              <a:rPr lang="en-US" sz="1400" dirty="0" err="1"/>
               <a:t>ntreruperii</a:t>
             </a:r>
-            <a:endParaRPr lang="en-US" dirty="0"/>
-          </a:p>
-        </p:txBody>
-      </p:sp>
-      <p:sp>
-        <p:nvSpPr>
-          <p:cNvPr id="6" name="Oval 5">
+            <a:endParaRPr lang="en-US" sz="1400" dirty="0"/>
+          </a:p>
+        </p:txBody>
+      </p:sp>
+      <p:sp>
+        <p:nvSpPr>
+          <p:cNvPr id="21" name="Oval 20">
             <a:extLst>
               <a:ext uri="{FF2B5EF4-FFF2-40B4-BE49-F238E27FC236}">
-                <a16:creationId xmlns:a16="http://schemas.microsoft.com/office/drawing/2014/main" id="{B5886699-54E5-4B1F-B232-374369B648CF}"/>
+                <a16:creationId xmlns:a16="http://schemas.microsoft.com/office/drawing/2014/main" id="{407C5FB6-98D7-4A35-97E6-71283CE43268}"/>
               </a:ext>
             </a:extLst>
           </p:cNvPr>
@@ -10844,8 +10751,8 @@
         </p:nvSpPr>
         <p:spPr>
           <a:xfrm>
-            <a:off x="8963026" y="3295649"/>
-            <a:ext cx="2390775" cy="1114427"/>
+            <a:off x="8993084" y="4302822"/>
+            <a:ext cx="1901329" cy="680641"/>
           </a:xfrm>
           <a:prstGeom prst="ellipse">
             <a:avLst/>
@@ -10871,19 +10778,19 @@
           <a:p>
             <a:pPr algn="ctr"/>
             <a:r>
-              <a:rPr lang="ro-RO" dirty="0"/>
+              <a:rPr lang="ro-RO" sz="1400" dirty="0"/>
               <a:t>Procedura de modificare a temperaturii</a:t>
             </a:r>
-            <a:endParaRPr lang="en-US" dirty="0"/>
-          </a:p>
-        </p:txBody>
-      </p:sp>
-      <p:sp>
-        <p:nvSpPr>
-          <p:cNvPr id="7" name="Săgeată: dreapta 6">
+            <a:endParaRPr lang="en-US" sz="1400" dirty="0"/>
+          </a:p>
+        </p:txBody>
+      </p:sp>
+      <p:sp>
+        <p:nvSpPr>
+          <p:cNvPr id="22" name="Săgeată: dreapta 21">
             <a:extLst>
               <a:ext uri="{FF2B5EF4-FFF2-40B4-BE49-F238E27FC236}">
-                <a16:creationId xmlns:a16="http://schemas.microsoft.com/office/drawing/2014/main" id="{2F9FA55E-B634-45A5-B4F6-CB0A8D0C3873}"/>
+                <a16:creationId xmlns:a16="http://schemas.microsoft.com/office/drawing/2014/main" id="{86AC7DB0-5651-4677-8DB8-89DC52AE93F6}"/>
               </a:ext>
             </a:extLst>
           </p:cNvPr>
@@ -10892,8 +10799,8 @@
         </p:nvSpPr>
         <p:spPr>
           <a:xfrm>
-            <a:off x="3228976" y="3729435"/>
-            <a:ext cx="1671637" cy="246856"/>
+            <a:off x="2858743" y="4536485"/>
+            <a:ext cx="2121910" cy="213316"/>
           </a:xfrm>
           <a:prstGeom prst="rightArrow">
             <a:avLst/>
@@ -10924,10 +10831,10 @@
       </p:sp>
       <p:sp>
         <p:nvSpPr>
-          <p:cNvPr id="8" name="Săgeată: dreapta 7">
+          <p:cNvPr id="23" name="Dreptunghi 22">
             <a:extLst>
               <a:ext uri="{FF2B5EF4-FFF2-40B4-BE49-F238E27FC236}">
-                <a16:creationId xmlns:a16="http://schemas.microsoft.com/office/drawing/2014/main" id="{74C5EAD6-E7BD-413B-A864-991EA47D4A19}"/>
+                <a16:creationId xmlns:a16="http://schemas.microsoft.com/office/drawing/2014/main" id="{7FB83BA0-8D85-404F-9DA8-48B08B8ECE93}"/>
               </a:ext>
             </a:extLst>
           </p:cNvPr>
@@ -10936,52 +10843,8 @@
         </p:nvSpPr>
         <p:spPr>
           <a:xfrm>
-            <a:off x="7291388" y="3729435"/>
-            <a:ext cx="1671637" cy="246856"/>
-          </a:xfrm>
-          <a:prstGeom prst="rightArrow">
-            <a:avLst/>
-          </a:prstGeom>
-        </p:spPr>
-        <p:style>
-          <a:lnRef idx="1">
-            <a:schemeClr val="accent1"/>
-          </a:lnRef>
-          <a:fillRef idx="2">
-            <a:schemeClr val="accent1"/>
-          </a:fillRef>
-          <a:effectRef idx="1">
-            <a:schemeClr val="accent1"/>
-          </a:effectRef>
-          <a:fontRef idx="minor">
-            <a:schemeClr val="dk1"/>
-          </a:fontRef>
-        </p:style>
-        <p:txBody>
-          <a:bodyPr rtlCol="0" anchor="ctr"/>
-          <a:lstStyle/>
-          <a:p>
-            <a:pPr algn="ctr"/>
-            <a:endParaRPr lang="en-US"/>
-          </a:p>
-        </p:txBody>
-      </p:sp>
-      <p:sp>
-        <p:nvSpPr>
-          <p:cNvPr id="9" name="Dreptunghi 8">
-            <a:extLst>
-              <a:ext uri="{FF2B5EF4-FFF2-40B4-BE49-F238E27FC236}">
-                <a16:creationId xmlns:a16="http://schemas.microsoft.com/office/drawing/2014/main" id="{5693EB42-BAC8-4CF3-9D6E-AA905BFB13F7}"/>
-              </a:ext>
-            </a:extLst>
-          </p:cNvPr>
-          <p:cNvSpPr/>
-          <p:nvPr/>
-        </p:nvSpPr>
-        <p:spPr>
-          <a:xfrm>
-            <a:off x="762002" y="4545013"/>
-            <a:ext cx="2466975" cy="1884363"/>
+            <a:off x="742884" y="5375500"/>
+            <a:ext cx="2348833" cy="1067750"/>
           </a:xfrm>
           <a:prstGeom prst="rect">
             <a:avLst/>
@@ -11008,19 +10871,19 @@
           <a:p>
             <a:pPr algn="ctr"/>
             <a:r>
-              <a:rPr lang="ro-RO" dirty="0"/>
+              <a:rPr lang="ro-RO" sz="1400" dirty="0"/>
               <a:t>Apăsarea butonului</a:t>
             </a:r>
-            <a:endParaRPr lang="en-US" dirty="0"/>
-          </a:p>
-        </p:txBody>
-      </p:sp>
-      <p:sp>
-        <p:nvSpPr>
-          <p:cNvPr id="10" name="Dreptunghi 9">
+            <a:endParaRPr lang="en-US" sz="1400" dirty="0"/>
+          </a:p>
+        </p:txBody>
+      </p:sp>
+      <p:sp>
+        <p:nvSpPr>
+          <p:cNvPr id="24" name="Dreptunghi 23">
             <a:extLst>
               <a:ext uri="{FF2B5EF4-FFF2-40B4-BE49-F238E27FC236}">
-                <a16:creationId xmlns:a16="http://schemas.microsoft.com/office/drawing/2014/main" id="{317B3EB8-1597-4D09-9B31-B394ABE45360}"/>
+                <a16:creationId xmlns:a16="http://schemas.microsoft.com/office/drawing/2014/main" id="{803D5D22-10A2-417C-8009-ABA4365A9013}"/>
               </a:ext>
             </a:extLst>
           </p:cNvPr>
@@ -11029,8 +10892,8 @@
         </p:nvSpPr>
         <p:spPr>
           <a:xfrm>
-            <a:off x="4862513" y="4545013"/>
-            <a:ext cx="2466975" cy="1884363"/>
+            <a:off x="4756902" y="5361626"/>
+            <a:ext cx="2348833" cy="1067750"/>
           </a:xfrm>
           <a:prstGeom prst="rect">
             <a:avLst/>
@@ -11057,27 +10920,27 @@
           <a:p>
             <a:pPr algn="ctr"/>
             <a:r>
-              <a:rPr lang="ro-RO" dirty="0"/>
+              <a:rPr lang="ro-RO" sz="1400" dirty="0"/>
               <a:t>Setează un </a:t>
             </a:r>
             <a:r>
-              <a:rPr lang="ro-RO" dirty="0" err="1"/>
+              <a:rPr lang="ro-RO" sz="1400" dirty="0" err="1"/>
               <a:t>flag</a:t>
             </a:r>
             <a:r>
-              <a:rPr lang="ro-RO" dirty="0"/>
+              <a:rPr lang="ro-RO" sz="1400" dirty="0"/>
               <a:t>, indicând faptul că o întrerupere a fost declanșată</a:t>
             </a:r>
-            <a:endParaRPr lang="en-US" dirty="0"/>
-          </a:p>
-        </p:txBody>
-      </p:sp>
-      <p:sp>
-        <p:nvSpPr>
-          <p:cNvPr id="11" name="Dreptunghi 10">
+            <a:endParaRPr lang="en-US" sz="1400" dirty="0"/>
+          </a:p>
+        </p:txBody>
+      </p:sp>
+      <p:sp>
+        <p:nvSpPr>
+          <p:cNvPr id="25" name="Dreptunghi 24">
             <a:extLst>
               <a:ext uri="{FF2B5EF4-FFF2-40B4-BE49-F238E27FC236}">
-                <a16:creationId xmlns:a16="http://schemas.microsoft.com/office/drawing/2014/main" id="{C2DAD685-9E2E-4711-90AE-E5B4F52EEF0A}"/>
+                <a16:creationId xmlns:a16="http://schemas.microsoft.com/office/drawing/2014/main" id="{22112EFA-E5A9-4399-8854-BA5E7B4A322F}"/>
               </a:ext>
             </a:extLst>
           </p:cNvPr>
@@ -11086,8 +10949,8 @@
         </p:nvSpPr>
         <p:spPr>
           <a:xfrm>
-            <a:off x="8924926" y="4545013"/>
-            <a:ext cx="2466975" cy="1884363"/>
+            <a:off x="8770920" y="5340334"/>
+            <a:ext cx="2348833" cy="1067750"/>
           </a:xfrm>
           <a:prstGeom prst="rect">
             <a:avLst/>
@@ -11114,7 +10977,7 @@
           <a:p>
             <a:pPr algn="ctr"/>
             <a:r>
-              <a:rPr lang="ro-RO" dirty="0"/>
+              <a:rPr lang="ro-RO" sz="1400" dirty="0"/>
               <a:t>Se execută secvența de cod pentru modificarea temperaturii și salvarea acesteia în baza de date</a:t>
             </a:r>
           </a:p>
@@ -11122,34 +10985,84 @@
       </p:sp>
       <p:sp>
         <p:nvSpPr>
-          <p:cNvPr id="14" name="Substituent număr diapozitiv 13">
+          <p:cNvPr id="26" name="Săgeată: dreapta 25">
             <a:extLst>
               <a:ext uri="{FF2B5EF4-FFF2-40B4-BE49-F238E27FC236}">
-                <a16:creationId xmlns:a16="http://schemas.microsoft.com/office/drawing/2014/main" id="{40CE3563-C9E7-4486-B324-B4897F6A50E9}"/>
+                <a16:creationId xmlns:a16="http://schemas.microsoft.com/office/drawing/2014/main" id="{BB09C01D-DA0E-4259-8CF4-6E505FDEEC42}"/>
               </a:ext>
             </a:extLst>
           </p:cNvPr>
-          <p:cNvSpPr>
-            <a:spLocks noGrp="1"/>
-          </p:cNvSpPr>
-          <p:nvPr>
-            <p:ph type="sldNum" sz="quarter" idx="12"/>
-          </p:nvPr>
-        </p:nvSpPr>
-        <p:spPr/>
-        <p:txBody>
-          <a:bodyPr/>
+          <p:cNvSpPr/>
+          <p:nvPr/>
+        </p:nvSpPr>
+        <p:spPr>
+          <a:xfrm>
+            <a:off x="6871174" y="4536485"/>
+            <a:ext cx="2121910" cy="213316"/>
+          </a:xfrm>
+          <a:prstGeom prst="rightArrow">
+            <a:avLst/>
+          </a:prstGeom>
+        </p:spPr>
+        <p:style>
+          <a:lnRef idx="1">
+            <a:schemeClr val="accent1"/>
+          </a:lnRef>
+          <a:fillRef idx="2">
+            <a:schemeClr val="accent1"/>
+          </a:fillRef>
+          <a:effectRef idx="1">
+            <a:schemeClr val="accent1"/>
+          </a:effectRef>
+          <a:fontRef idx="minor">
+            <a:schemeClr val="dk1"/>
+          </a:fontRef>
+        </p:style>
+        <p:txBody>
+          <a:bodyPr rtlCol="0" anchor="ctr"/>
           <a:lstStyle/>
           <a:p>
-            <a:fld id="{FE899CAE-04D7-4AFC-956F-C57F365175A7}" type="slidenum">
-              <a:rPr lang="en-US" smtClean="0"/>
-              <a:pPr/>
-              <a:t>7</a:t>
-            </a:fld>
-            <a:endParaRPr lang="en-US" dirty="0"/>
-          </a:p>
-        </p:txBody>
-      </p:sp>
+            <a:pPr algn="ctr"/>
+            <a:endParaRPr lang="en-US"/>
+          </a:p>
+        </p:txBody>
+      </p:sp>
+      <p:pic>
+        <p:nvPicPr>
+          <p:cNvPr id="27" name="Imagine 26">
+            <a:extLst>
+              <a:ext uri="{FF2B5EF4-FFF2-40B4-BE49-F238E27FC236}">
+                <a16:creationId xmlns:a16="http://schemas.microsoft.com/office/drawing/2014/main" id="{2D60A450-4695-45E9-9661-4DF7560E898A}"/>
+              </a:ext>
+            </a:extLst>
+          </p:cNvPr>
+          <p:cNvPicPr>
+            <a:picLocks noChangeAspect="1"/>
+          </p:cNvPicPr>
+          <p:nvPr/>
+        </p:nvPicPr>
+        <p:blipFill>
+          <a:blip r:embed="rId2">
+            <a:extLst>
+              <a:ext uri="{28A0092B-C50C-407E-A947-70E740481C1C}">
+                <a14:useLocalDpi xmlns:a14="http://schemas.microsoft.com/office/drawing/2010/main" val="0"/>
+              </a:ext>
+            </a:extLst>
+          </a:blip>
+          <a:stretch>
+            <a:fillRect/>
+          </a:stretch>
+        </p:blipFill>
+        <p:spPr>
+          <a:xfrm>
+            <a:off x="6068243" y="6804"/>
+            <a:ext cx="6123757" cy="3822700"/>
+          </a:xfrm>
+          <a:prstGeom prst="rect">
+            <a:avLst/>
+          </a:prstGeom>
+        </p:spPr>
+      </p:pic>
     </p:spTree>
     <p:extLst>
       <p:ext uri="{BB962C8B-B14F-4D97-AF65-F5344CB8AC3E}">

--- a/Prezentare/Termostat inteligent controlat printr-o aplicație web2.pptx
+++ b/Prezentare/Termostat inteligent controlat printr-o aplicație web2.pptx
@@ -223,7 +223,7 @@
           <a:p>
             <a:fld id="{B8F87DBE-C843-456A-9381-003F0E3F9C44}" type="datetimeFigureOut">
               <a:rPr lang="en-US" smtClean="0"/>
-              <a:t>5/26/2021</a:t>
+              <a:t>5/27/2021</a:t>
             </a:fld>
             <a:endParaRPr lang="en-US"/>
           </a:p>
@@ -401,7 +401,7 @@
           <a:p>
             <a:fld id="{FB146702-3091-4893-9580-351D3F327990}" type="datetimeFigureOut">
               <a:rPr lang="en-US" smtClean="0"/>
-              <a:t>5/26/2021</a:t>
+              <a:t>5/27/2021</a:t>
             </a:fld>
             <a:endParaRPr lang="en-US"/>
           </a:p>
@@ -858,7 +858,7 @@
           <a:p>
             <a:fld id="{30F82038-E678-4ECF-BEDB-85A5C5D4839D}" type="datetime1">
               <a:rPr lang="en-US" smtClean="0"/>
-              <a:t>5/26/2021</a:t>
+              <a:t>5/27/2021</a:t>
             </a:fld>
             <a:endParaRPr lang="en-US"/>
           </a:p>
@@ -1196,7 +1196,7 @@
           <a:p>
             <a:fld id="{98FEAE57-41B8-4424-9352-E75A9291ED21}" type="datetime1">
               <a:rPr lang="en-US" smtClean="0"/>
-              <a:t>5/26/2021</a:t>
+              <a:t>5/27/2021</a:t>
             </a:fld>
             <a:endParaRPr lang="en-US"/>
           </a:p>
@@ -1597,7 +1597,7 @@
           <a:p>
             <a:fld id="{8B5AB100-4FF4-4F37-A93F-ABC989278D09}" type="datetime1">
               <a:rPr lang="en-US" smtClean="0"/>
-              <a:t>5/26/2021</a:t>
+              <a:t>5/27/2021</a:t>
             </a:fld>
             <a:endParaRPr lang="en-US"/>
           </a:p>
@@ -1933,7 +1933,7 @@
           <a:p>
             <a:fld id="{4A42E1C9-DE8F-45CF-9014-53AF507E26B6}" type="datetime1">
               <a:rPr lang="en-US" smtClean="0"/>
-              <a:t>5/26/2021</a:t>
+              <a:t>5/27/2021</a:t>
             </a:fld>
             <a:endParaRPr lang="en-US"/>
           </a:p>
@@ -2253,7 +2253,7 @@
           <a:p>
             <a:fld id="{691321E4-876A-446D-805C-931D38442A39}" type="datetime1">
               <a:rPr lang="en-US" smtClean="0"/>
-              <a:t>5/26/2021</a:t>
+              <a:t>5/27/2021</a:t>
             </a:fld>
             <a:endParaRPr lang="en-US"/>
           </a:p>
@@ -2649,7 +2649,7 @@
           <a:p>
             <a:fld id="{FE8C92CE-1D3F-4EAC-8D07-6011AB081639}" type="datetime1">
               <a:rPr lang="en-US" smtClean="0"/>
-              <a:t>5/26/2021</a:t>
+              <a:t>5/27/2021</a:t>
             </a:fld>
             <a:endParaRPr lang="en-US"/>
           </a:p>
@@ -2906,7 +2906,7 @@
           <a:p>
             <a:fld id="{BE952FF4-6C99-4BB7-8B86-45E6A3CD6E25}" type="datetime1">
               <a:rPr lang="en-US" smtClean="0"/>
-              <a:t>5/26/2021</a:t>
+              <a:t>5/27/2021</a:t>
             </a:fld>
             <a:endParaRPr lang="en-US"/>
           </a:p>
@@ -3168,7 +3168,7 @@
           <a:p>
             <a:fld id="{3793CB2C-024F-4230-8160-47AC7F613CD6}" type="datetime1">
               <a:rPr lang="en-US" smtClean="0"/>
-              <a:t>5/26/2021</a:t>
+              <a:t>5/27/2021</a:t>
             </a:fld>
             <a:endParaRPr lang="en-US"/>
           </a:p>
@@ -3435,7 +3435,7 @@
           <a:p>
             <a:fld id="{EF2F0734-55FC-4D31-BBAC-CFD270F97A82}" type="datetime1">
               <a:rPr lang="en-US" smtClean="0"/>
-              <a:t>5/26/2021</a:t>
+              <a:t>5/27/2021</a:t>
             </a:fld>
             <a:endParaRPr lang="en-US" dirty="0"/>
           </a:p>
@@ -3704,7 +3704,7 @@
           <a:p>
             <a:fld id="{A8035693-5B48-46BA-8731-C60905FDB4BB}" type="datetime1">
               <a:rPr lang="en-US" smtClean="0"/>
-              <a:t>5/26/2021</a:t>
+              <a:t>5/27/2021</a:t>
             </a:fld>
             <a:endParaRPr lang="en-US"/>
           </a:p>
@@ -4027,7 +4027,7 @@
           <a:p>
             <a:fld id="{4ED3114C-4F90-498B-9102-5DD35911FEC7}" type="datetime1">
               <a:rPr lang="en-US" smtClean="0"/>
-              <a:t>5/26/2021</a:t>
+              <a:t>5/27/2021</a:t>
             </a:fld>
             <a:endParaRPr lang="en-US"/>
           </a:p>
@@ -4484,7 +4484,7 @@
           <a:p>
             <a:fld id="{9043E49F-08D7-4685-B777-AA41236FB79C}" type="datetime1">
               <a:rPr lang="en-US" smtClean="0"/>
-              <a:t>5/26/2021</a:t>
+              <a:t>5/27/2021</a:t>
             </a:fld>
             <a:endParaRPr lang="en-US"/>
           </a:p>
@@ -4689,7 +4689,7 @@
           <a:p>
             <a:fld id="{A11EB4FF-AC58-4F96-BF45-BAC7049BEFBC}" type="datetime1">
               <a:rPr lang="en-US" smtClean="0"/>
-              <a:t>5/26/2021</a:t>
+              <a:t>5/27/2021</a:t>
             </a:fld>
             <a:endParaRPr lang="en-US"/>
           </a:p>
@@ -4866,7 +4866,7 @@
           <a:p>
             <a:fld id="{BFDC7A8E-631A-4994-9E85-C431A7496471}" type="datetime1">
               <a:rPr lang="en-US" smtClean="0"/>
-              <a:t>5/26/2021</a:t>
+              <a:t>5/27/2021</a:t>
             </a:fld>
             <a:endParaRPr lang="en-US"/>
           </a:p>
@@ -5199,7 +5199,7 @@
           <a:p>
             <a:fld id="{0DCF6632-148F-4474-BA59-DB71F1721872}" type="datetime1">
               <a:rPr lang="en-US" smtClean="0"/>
-              <a:t>5/26/2021</a:t>
+              <a:t>5/27/2021</a:t>
             </a:fld>
             <a:endParaRPr lang="en-US"/>
           </a:p>
@@ -5544,7 +5544,7 @@
           <a:p>
             <a:fld id="{7A070EAA-60D7-42AA-8723-1B0860A455E4}" type="datetime1">
               <a:rPr lang="en-US" smtClean="0"/>
-              <a:t>5/26/2021</a:t>
+              <a:t>5/27/2021</a:t>
             </a:fld>
             <a:endParaRPr lang="en-US"/>
           </a:p>
@@ -7683,7 +7683,7 @@
           <a:p>
             <a:fld id="{77CAE326-6785-470D-B4C6-EC533BA72C64}" type="datetime1">
               <a:rPr lang="en-US" smtClean="0"/>
-              <a:t>5/26/2021</a:t>
+              <a:t>5/27/2021</a:t>
             </a:fld>
             <a:endParaRPr lang="en-US"/>
           </a:p>
@@ -9863,8 +9863,34 @@
 </file>
 
 <file path=ppt/slides/slide4.xml><?xml version="1.0" encoding="utf-8"?>
-<p:sld xmlns:a="http://schemas.openxmlformats.org/drawingml/2006/main" xmlns:r="http://schemas.openxmlformats.org/officeDocument/2006/relationships" xmlns:p="http://schemas.openxmlformats.org/presentationml/2006/main" showMasterSp="0">
+<p:sld xmlns:a="http://schemas.openxmlformats.org/drawingml/2006/main" xmlns:r="http://schemas.openxmlformats.org/officeDocument/2006/relationships" xmlns:p="http://schemas.openxmlformats.org/presentationml/2006/main">
   <p:cSld>
+    <p:bg>
+      <p:bgPr>
+        <a:gradFill rotWithShape="1">
+          <a:gsLst>
+            <a:gs pos="0">
+              <a:schemeClr val="bg2">
+                <a:tint val="90000"/>
+                <a:satMod val="92000"/>
+                <a:lumMod val="120000"/>
+              </a:schemeClr>
+            </a:gs>
+            <a:gs pos="100000">
+              <a:schemeClr val="bg2">
+                <a:shade val="98000"/>
+                <a:satMod val="120000"/>
+                <a:lumMod val="98000"/>
+              </a:schemeClr>
+            </a:gs>
+          </a:gsLst>
+          <a:path path="circle">
+            <a:fillToRect l="50000" t="50000" r="100000" b="100000"/>
+          </a:path>
+        </a:gradFill>
+        <a:effectLst/>
+      </p:bgPr>
+    </p:bg>
     <p:spTree>
       <p:nvGrpSpPr>
         <p:cNvPr id="1" name=""/>
@@ -9879,6 +9905,2339 @@
           <a:chExt cx="0" cy="0"/>
         </a:xfrm>
       </p:grpSpPr>
+      <p:sp useBgFill="1">
+        <p:nvSpPr>
+          <p:cNvPr id="20" name="Rectangle 19">
+            <a:extLst>
+              <a:ext uri="{FF2B5EF4-FFF2-40B4-BE49-F238E27FC236}">
+                <a16:creationId xmlns:a16="http://schemas.microsoft.com/office/drawing/2014/main" id="{A7AF9E2D-8F98-4755-895E-D65689F2A145}"/>
+              </a:ext>
+              <a:ext uri="{C183D7F6-B498-43B3-948B-1728B52AA6E4}">
+                <adec:decorative xmlns:adec="http://schemas.microsoft.com/office/drawing/2017/decorative" val="1"/>
+              </a:ext>
+            </a:extLst>
+          </p:cNvPr>
+          <p:cNvSpPr>
+            <a:spLocks noGrp="1" noRot="1" noChangeAspect="1" noMove="1" noResize="1" noEditPoints="1" noAdjustHandles="1" noChangeArrowheads="1" noChangeShapeType="1" noTextEdit="1"/>
+          </p:cNvSpPr>
+          <p:nvPr>
+            <p:extLst>
+              <p:ext uri="{386F3935-93C4-4BCD-93E2-E3B085C9AB24}">
+                <p16:designElem xmlns:p16="http://schemas.microsoft.com/office/powerpoint/2015/main" val="1"/>
+              </p:ext>
+            </p:extLst>
+          </p:nvPr>
+        </p:nvSpPr>
+        <p:spPr>
+          <a:xfrm>
+            <a:off x="-7620" y="-1"/>
+            <a:ext cx="12207240" cy="6858001"/>
+          </a:xfrm>
+          <a:prstGeom prst="rect">
+            <a:avLst/>
+          </a:prstGeom>
+          <a:ln>
+            <a:noFill/>
+          </a:ln>
+        </p:spPr>
+        <p:style>
+          <a:lnRef idx="2">
+            <a:schemeClr val="accent1">
+              <a:shade val="50000"/>
+            </a:schemeClr>
+          </a:lnRef>
+          <a:fillRef idx="1">
+            <a:schemeClr val="accent1"/>
+          </a:fillRef>
+          <a:effectRef idx="0">
+            <a:schemeClr val="accent1"/>
+          </a:effectRef>
+          <a:fontRef idx="minor">
+            <a:schemeClr val="lt1"/>
+          </a:fontRef>
+        </p:style>
+        <p:txBody>
+          <a:bodyPr rot="0" spcFirstLastPara="0" vert="horz" wrap="square" lIns="91440" tIns="45720" rIns="91440" bIns="45720" numCol="1" spcCol="0" rtlCol="0" fromWordArt="0" anchor="ctr" anchorCtr="0" forceAA="0" compatLnSpc="1">
+            <a:prstTxWarp prst="textNoShape">
+              <a:avLst/>
+            </a:prstTxWarp>
+            <a:noAutofit/>
+          </a:bodyPr>
+          <a:lstStyle>
+            <a:defPPr>
+              <a:defRPr lang="en-US"/>
+            </a:defPPr>
+            <a:lvl1pPr marL="0" algn="l" defTabSz="914400" rtl="0" eaLnBrk="1" latinLnBrk="0" hangingPunct="1">
+              <a:defRPr sz="1800" kern="1200">
+                <a:solidFill>
+                  <a:schemeClr val="lt1"/>
+                </a:solidFill>
+                <a:latin typeface="+mn-lt"/>
+                <a:ea typeface="+mn-ea"/>
+                <a:cs typeface="+mn-cs"/>
+              </a:defRPr>
+            </a:lvl1pPr>
+            <a:lvl2pPr marL="457200" algn="l" defTabSz="914400" rtl="0" eaLnBrk="1" latinLnBrk="0" hangingPunct="1">
+              <a:defRPr sz="1800" kern="1200">
+                <a:solidFill>
+                  <a:schemeClr val="lt1"/>
+                </a:solidFill>
+                <a:latin typeface="+mn-lt"/>
+                <a:ea typeface="+mn-ea"/>
+                <a:cs typeface="+mn-cs"/>
+              </a:defRPr>
+            </a:lvl2pPr>
+            <a:lvl3pPr marL="914400" algn="l" defTabSz="914400" rtl="0" eaLnBrk="1" latinLnBrk="0" hangingPunct="1">
+              <a:defRPr sz="1800" kern="1200">
+                <a:solidFill>
+                  <a:schemeClr val="lt1"/>
+                </a:solidFill>
+                <a:latin typeface="+mn-lt"/>
+                <a:ea typeface="+mn-ea"/>
+                <a:cs typeface="+mn-cs"/>
+              </a:defRPr>
+            </a:lvl3pPr>
+            <a:lvl4pPr marL="1371600" algn="l" defTabSz="914400" rtl="0" eaLnBrk="1" latinLnBrk="0" hangingPunct="1">
+              <a:defRPr sz="1800" kern="1200">
+                <a:solidFill>
+                  <a:schemeClr val="lt1"/>
+                </a:solidFill>
+                <a:latin typeface="+mn-lt"/>
+                <a:ea typeface="+mn-ea"/>
+                <a:cs typeface="+mn-cs"/>
+              </a:defRPr>
+            </a:lvl4pPr>
+            <a:lvl5pPr marL="1828800" algn="l" defTabSz="914400" rtl="0" eaLnBrk="1" latinLnBrk="0" hangingPunct="1">
+              <a:defRPr sz="1800" kern="1200">
+                <a:solidFill>
+                  <a:schemeClr val="lt1"/>
+                </a:solidFill>
+                <a:latin typeface="+mn-lt"/>
+                <a:ea typeface="+mn-ea"/>
+                <a:cs typeface="+mn-cs"/>
+              </a:defRPr>
+            </a:lvl5pPr>
+            <a:lvl6pPr marL="2286000" algn="l" defTabSz="914400" rtl="0" eaLnBrk="1" latinLnBrk="0" hangingPunct="1">
+              <a:defRPr sz="1800" kern="1200">
+                <a:solidFill>
+                  <a:schemeClr val="lt1"/>
+                </a:solidFill>
+                <a:latin typeface="+mn-lt"/>
+                <a:ea typeface="+mn-ea"/>
+                <a:cs typeface="+mn-cs"/>
+              </a:defRPr>
+            </a:lvl6pPr>
+            <a:lvl7pPr marL="2743200" algn="l" defTabSz="914400" rtl="0" eaLnBrk="1" latinLnBrk="0" hangingPunct="1">
+              <a:defRPr sz="1800" kern="1200">
+                <a:solidFill>
+                  <a:schemeClr val="lt1"/>
+                </a:solidFill>
+                <a:latin typeface="+mn-lt"/>
+                <a:ea typeface="+mn-ea"/>
+                <a:cs typeface="+mn-cs"/>
+              </a:defRPr>
+            </a:lvl7pPr>
+            <a:lvl8pPr marL="3200400" algn="l" defTabSz="914400" rtl="0" eaLnBrk="1" latinLnBrk="0" hangingPunct="1">
+              <a:defRPr sz="1800" kern="1200">
+                <a:solidFill>
+                  <a:schemeClr val="lt1"/>
+                </a:solidFill>
+                <a:latin typeface="+mn-lt"/>
+                <a:ea typeface="+mn-ea"/>
+                <a:cs typeface="+mn-cs"/>
+              </a:defRPr>
+            </a:lvl8pPr>
+            <a:lvl9pPr marL="3657600" algn="l" defTabSz="914400" rtl="0" eaLnBrk="1" latinLnBrk="0" hangingPunct="1">
+              <a:defRPr sz="1800" kern="1200">
+                <a:solidFill>
+                  <a:schemeClr val="lt1"/>
+                </a:solidFill>
+                <a:latin typeface="+mn-lt"/>
+                <a:ea typeface="+mn-ea"/>
+                <a:cs typeface="+mn-cs"/>
+              </a:defRPr>
+            </a:lvl9pPr>
+          </a:lstStyle>
+          <a:p>
+            <a:pPr algn="ctr"/>
+            <a:endParaRPr lang="en-US"/>
+          </a:p>
+        </p:txBody>
+      </p:sp>
+      <p:grpSp>
+        <p:nvGrpSpPr>
+          <p:cNvPr id="22" name="Group 21">
+            <a:extLst>
+              <a:ext uri="{FF2B5EF4-FFF2-40B4-BE49-F238E27FC236}">
+                <a16:creationId xmlns:a16="http://schemas.microsoft.com/office/drawing/2014/main" id="{94D3C8C4-8367-4524-B9C5-2B3ACA682C06}"/>
+              </a:ext>
+              <a:ext uri="{C183D7F6-B498-43B3-948B-1728B52AA6E4}">
+                <adec:decorative xmlns:adec="http://schemas.microsoft.com/office/drawing/2017/decorative" val="1"/>
+              </a:ext>
+            </a:extLst>
+          </p:cNvPr>
+          <p:cNvGrpSpPr>
+            <a:grpSpLocks noGrp="1" noUngrp="1" noRot="1" noChangeAspect="1" noMove="1" noResize="1"/>
+          </p:cNvGrpSpPr>
+          <p:nvPr>
+            <p:extLst>
+              <p:ext uri="{386F3935-93C4-4BCD-93E2-E3B085C9AB24}">
+                <p16:designElem xmlns:p16="http://schemas.microsoft.com/office/powerpoint/2015/main" val="1"/>
+              </p:ext>
+            </p:extLst>
+          </p:nvPr>
+        </p:nvGrpSpPr>
+        <p:grpSpPr>
+          <a:xfrm>
+            <a:off x="4836169" y="228600"/>
+            <a:ext cx="2851523" cy="6638625"/>
+            <a:chOff x="2487613" y="285750"/>
+            <a:chExt cx="2428875" cy="5654676"/>
+          </a:xfrm>
+        </p:grpSpPr>
+        <p:sp>
+          <p:nvSpPr>
+            <p:cNvPr id="23" name="Freeform 11">
+              <a:extLst>
+                <a:ext uri="{FF2B5EF4-FFF2-40B4-BE49-F238E27FC236}">
+                  <a16:creationId xmlns:a16="http://schemas.microsoft.com/office/drawing/2014/main" id="{38BDB546-CAFB-429D-8D82-4F3AA28914C5}"/>
+                </a:ext>
+                <a:ext uri="{C183D7F6-B498-43B3-948B-1728B52AA6E4}">
+                  <adec:decorative xmlns:adec="http://schemas.microsoft.com/office/drawing/2017/decorative" val="1"/>
+                </a:ext>
+              </a:extLst>
+            </p:cNvPr>
+            <p:cNvSpPr/>
+            <p:nvPr>
+              <p:extLst>
+                <p:ext uri="{386F3935-93C4-4BCD-93E2-E3B085C9AB24}">
+                  <p16:designElem xmlns:p16="http://schemas.microsoft.com/office/powerpoint/2015/main" val="1"/>
+                </p:ext>
+              </p:extLst>
+            </p:nvPr>
+          </p:nvSpPr>
+          <p:spPr bwMode="auto">
+            <a:xfrm>
+              <a:off x="2487613" y="2284413"/>
+              <a:ext cx="85725" cy="533400"/>
+            </a:xfrm>
+            <a:custGeom>
+              <a:avLst/>
+              <a:gdLst/>
+              <a:ahLst/>
+              <a:cxnLst/>
+              <a:rect l="0" t="0" r="r" b="b"/>
+              <a:pathLst>
+                <a:path w="22" h="136">
+                  <a:moveTo>
+                    <a:pt x="22" y="136"/>
+                  </a:moveTo>
+                  <a:cubicBezTo>
+                    <a:pt x="20" y="117"/>
+                    <a:pt x="19" y="99"/>
+                    <a:pt x="17" y="80"/>
+                  </a:cubicBezTo>
+                  <a:cubicBezTo>
+                    <a:pt x="11" y="54"/>
+                    <a:pt x="6" y="27"/>
+                    <a:pt x="0" y="0"/>
+                  </a:cubicBezTo>
+                  <a:cubicBezTo>
+                    <a:pt x="0" y="35"/>
+                    <a:pt x="0" y="35"/>
+                    <a:pt x="0" y="35"/>
+                  </a:cubicBezTo>
+                  <a:cubicBezTo>
+                    <a:pt x="6" y="64"/>
+                    <a:pt x="13" y="94"/>
+                    <a:pt x="20" y="124"/>
+                  </a:cubicBezTo>
+                  <a:cubicBezTo>
+                    <a:pt x="20" y="128"/>
+                    <a:pt x="21" y="132"/>
+                    <a:pt x="22" y="136"/>
+                  </a:cubicBezTo>
+                  <a:close/>
+                </a:path>
+              </a:pathLst>
+            </a:custGeom>
+            <a:solidFill>
+              <a:schemeClr val="tx2">
+                <a:alpha val="20000"/>
+              </a:schemeClr>
+            </a:solidFill>
+            <a:ln>
+              <a:noFill/>
+            </a:ln>
+          </p:spPr>
+        </p:sp>
+        <p:sp>
+          <p:nvSpPr>
+            <p:cNvPr id="24" name="Freeform 12">
+              <a:extLst>
+                <a:ext uri="{FF2B5EF4-FFF2-40B4-BE49-F238E27FC236}">
+                  <a16:creationId xmlns:a16="http://schemas.microsoft.com/office/drawing/2014/main" id="{8F202AFF-3597-4A70-9149-0AA2AACBB9E6}"/>
+                </a:ext>
+                <a:ext uri="{C183D7F6-B498-43B3-948B-1728B52AA6E4}">
+                  <adec:decorative xmlns:adec="http://schemas.microsoft.com/office/drawing/2017/decorative" val="1"/>
+                </a:ext>
+              </a:extLst>
+            </p:cNvPr>
+            <p:cNvSpPr/>
+            <p:nvPr>
+              <p:extLst>
+                <p:ext uri="{386F3935-93C4-4BCD-93E2-E3B085C9AB24}">
+                  <p16:designElem xmlns:p16="http://schemas.microsoft.com/office/powerpoint/2015/main" val="1"/>
+                </p:ext>
+              </p:extLst>
+            </p:nvPr>
+          </p:nvSpPr>
+          <p:spPr bwMode="auto">
+            <a:xfrm>
+              <a:off x="2597151" y="2779713"/>
+              <a:ext cx="550863" cy="1978025"/>
+            </a:xfrm>
+            <a:custGeom>
+              <a:avLst/>
+              <a:gdLst/>
+              <a:ahLst/>
+              <a:cxnLst/>
+              <a:rect l="0" t="0" r="r" b="b"/>
+              <a:pathLst>
+                <a:path w="140" h="504">
+                  <a:moveTo>
+                    <a:pt x="86" y="350"/>
+                  </a:moveTo>
+                  <a:cubicBezTo>
+                    <a:pt x="103" y="402"/>
+                    <a:pt x="120" y="453"/>
+                    <a:pt x="139" y="504"/>
+                  </a:cubicBezTo>
+                  <a:cubicBezTo>
+                    <a:pt x="139" y="495"/>
+                    <a:pt x="139" y="487"/>
+                    <a:pt x="140" y="478"/>
+                  </a:cubicBezTo>
+                  <a:cubicBezTo>
+                    <a:pt x="124" y="435"/>
+                    <a:pt x="109" y="391"/>
+                    <a:pt x="95" y="347"/>
+                  </a:cubicBezTo>
+                  <a:cubicBezTo>
+                    <a:pt x="58" y="233"/>
+                    <a:pt x="27" y="117"/>
+                    <a:pt x="0" y="0"/>
+                  </a:cubicBezTo>
+                  <a:cubicBezTo>
+                    <a:pt x="2" y="20"/>
+                    <a:pt x="4" y="41"/>
+                    <a:pt x="6" y="61"/>
+                  </a:cubicBezTo>
+                  <a:cubicBezTo>
+                    <a:pt x="30" y="158"/>
+                    <a:pt x="56" y="255"/>
+                    <a:pt x="86" y="350"/>
+                  </a:cubicBezTo>
+                  <a:close/>
+                </a:path>
+              </a:pathLst>
+            </a:custGeom>
+            <a:solidFill>
+              <a:schemeClr val="tx2">
+                <a:alpha val="20000"/>
+              </a:schemeClr>
+            </a:solidFill>
+            <a:ln>
+              <a:noFill/>
+            </a:ln>
+          </p:spPr>
+        </p:sp>
+        <p:sp>
+          <p:nvSpPr>
+            <p:cNvPr id="25" name="Freeform 13">
+              <a:extLst>
+                <a:ext uri="{FF2B5EF4-FFF2-40B4-BE49-F238E27FC236}">
+                  <a16:creationId xmlns:a16="http://schemas.microsoft.com/office/drawing/2014/main" id="{5B91C985-1FBD-4FEE-8FB4-FBD47CF0A37F}"/>
+                </a:ext>
+                <a:ext uri="{C183D7F6-B498-43B3-948B-1728B52AA6E4}">
+                  <adec:decorative xmlns:adec="http://schemas.microsoft.com/office/drawing/2017/decorative" val="1"/>
+                </a:ext>
+              </a:extLst>
+            </p:cNvPr>
+            <p:cNvSpPr/>
+            <p:nvPr>
+              <p:extLst>
+                <p:ext uri="{386F3935-93C4-4BCD-93E2-E3B085C9AB24}">
+                  <p16:designElem xmlns:p16="http://schemas.microsoft.com/office/powerpoint/2015/main" val="1"/>
+                </p:ext>
+              </p:extLst>
+            </p:nvPr>
+          </p:nvSpPr>
+          <p:spPr bwMode="auto">
+            <a:xfrm>
+              <a:off x="3175001" y="4730750"/>
+              <a:ext cx="519113" cy="1209675"/>
+            </a:xfrm>
+            <a:custGeom>
+              <a:avLst/>
+              <a:gdLst/>
+              <a:ahLst/>
+              <a:cxnLst/>
+              <a:rect l="0" t="0" r="r" b="b"/>
+              <a:pathLst>
+                <a:path w="132" h="308">
+                  <a:moveTo>
+                    <a:pt x="8" y="22"/>
+                  </a:moveTo>
+                  <a:cubicBezTo>
+                    <a:pt x="5" y="15"/>
+                    <a:pt x="2" y="8"/>
+                    <a:pt x="0" y="0"/>
+                  </a:cubicBezTo>
+                  <a:cubicBezTo>
+                    <a:pt x="0" y="10"/>
+                    <a:pt x="0" y="19"/>
+                    <a:pt x="0" y="29"/>
+                  </a:cubicBezTo>
+                  <a:cubicBezTo>
+                    <a:pt x="21" y="85"/>
+                    <a:pt x="44" y="140"/>
+                    <a:pt x="68" y="194"/>
+                  </a:cubicBezTo>
+                  <a:cubicBezTo>
+                    <a:pt x="85" y="232"/>
+                    <a:pt x="104" y="270"/>
+                    <a:pt x="123" y="308"/>
+                  </a:cubicBezTo>
+                  <a:cubicBezTo>
+                    <a:pt x="132" y="308"/>
+                    <a:pt x="132" y="308"/>
+                    <a:pt x="132" y="308"/>
+                  </a:cubicBezTo>
+                  <a:cubicBezTo>
+                    <a:pt x="113" y="269"/>
+                    <a:pt x="94" y="230"/>
+                    <a:pt x="77" y="190"/>
+                  </a:cubicBezTo>
+                  <a:cubicBezTo>
+                    <a:pt x="52" y="135"/>
+                    <a:pt x="29" y="79"/>
+                    <a:pt x="8" y="22"/>
+                  </a:cubicBezTo>
+                  <a:close/>
+                </a:path>
+              </a:pathLst>
+            </a:custGeom>
+            <a:solidFill>
+              <a:schemeClr val="tx2">
+                <a:alpha val="20000"/>
+              </a:schemeClr>
+            </a:solidFill>
+            <a:ln>
+              <a:noFill/>
+            </a:ln>
+          </p:spPr>
+        </p:sp>
+        <p:sp>
+          <p:nvSpPr>
+            <p:cNvPr id="26" name="Freeform 14">
+              <a:extLst>
+                <a:ext uri="{FF2B5EF4-FFF2-40B4-BE49-F238E27FC236}">
+                  <a16:creationId xmlns:a16="http://schemas.microsoft.com/office/drawing/2014/main" id="{E045B090-8B4D-4553-997E-D7A7A2B93571}"/>
+                </a:ext>
+                <a:ext uri="{C183D7F6-B498-43B3-948B-1728B52AA6E4}">
+                  <adec:decorative xmlns:adec="http://schemas.microsoft.com/office/drawing/2017/decorative" val="1"/>
+                </a:ext>
+              </a:extLst>
+            </p:cNvPr>
+            <p:cNvSpPr/>
+            <p:nvPr>
+              <p:extLst>
+                <p:ext uri="{386F3935-93C4-4BCD-93E2-E3B085C9AB24}">
+                  <p16:designElem xmlns:p16="http://schemas.microsoft.com/office/powerpoint/2015/main" val="1"/>
+                </p:ext>
+              </p:extLst>
+            </p:nvPr>
+          </p:nvSpPr>
+          <p:spPr bwMode="auto">
+            <a:xfrm>
+              <a:off x="3305176" y="5630863"/>
+              <a:ext cx="146050" cy="309563"/>
+            </a:xfrm>
+            <a:custGeom>
+              <a:avLst/>
+              <a:gdLst/>
+              <a:ahLst/>
+              <a:cxnLst/>
+              <a:rect l="0" t="0" r="r" b="b"/>
+              <a:pathLst>
+                <a:path w="37" h="79">
+                  <a:moveTo>
+                    <a:pt x="28" y="79"/>
+                  </a:moveTo>
+                  <a:cubicBezTo>
+                    <a:pt x="37" y="79"/>
+                    <a:pt x="37" y="79"/>
+                    <a:pt x="37" y="79"/>
+                  </a:cubicBezTo>
+                  <a:cubicBezTo>
+                    <a:pt x="24" y="53"/>
+                    <a:pt x="12" y="27"/>
+                    <a:pt x="0" y="0"/>
+                  </a:cubicBezTo>
+                  <a:cubicBezTo>
+                    <a:pt x="8" y="27"/>
+                    <a:pt x="17" y="53"/>
+                    <a:pt x="28" y="79"/>
+                  </a:cubicBezTo>
+                  <a:close/>
+                </a:path>
+              </a:pathLst>
+            </a:custGeom>
+            <a:solidFill>
+              <a:schemeClr val="tx2">
+                <a:alpha val="20000"/>
+              </a:schemeClr>
+            </a:solidFill>
+            <a:ln>
+              <a:noFill/>
+            </a:ln>
+          </p:spPr>
+        </p:sp>
+        <p:sp>
+          <p:nvSpPr>
+            <p:cNvPr id="27" name="Freeform 15">
+              <a:extLst>
+                <a:ext uri="{FF2B5EF4-FFF2-40B4-BE49-F238E27FC236}">
+                  <a16:creationId xmlns:a16="http://schemas.microsoft.com/office/drawing/2014/main" id="{79661459-591F-41BD-85A7-882DF2E548BF}"/>
+                </a:ext>
+                <a:ext uri="{C183D7F6-B498-43B3-948B-1728B52AA6E4}">
+                  <adec:decorative xmlns:adec="http://schemas.microsoft.com/office/drawing/2017/decorative" val="1"/>
+                </a:ext>
+              </a:extLst>
+            </p:cNvPr>
+            <p:cNvSpPr/>
+            <p:nvPr>
+              <p:extLst>
+                <p:ext uri="{386F3935-93C4-4BCD-93E2-E3B085C9AB24}">
+                  <p16:designElem xmlns:p16="http://schemas.microsoft.com/office/powerpoint/2015/main" val="1"/>
+                </p:ext>
+              </p:extLst>
+            </p:nvPr>
+          </p:nvSpPr>
+          <p:spPr bwMode="auto">
+            <a:xfrm>
+              <a:off x="2573338" y="2817813"/>
+              <a:ext cx="700088" cy="2835275"/>
+            </a:xfrm>
+            <a:custGeom>
+              <a:avLst/>
+              <a:gdLst/>
+              <a:ahLst/>
+              <a:cxnLst/>
+              <a:rect l="0" t="0" r="r" b="b"/>
+              <a:pathLst>
+                <a:path w="178" h="722">
+                  <a:moveTo>
+                    <a:pt x="162" y="660"/>
+                  </a:moveTo>
+                  <a:cubicBezTo>
+                    <a:pt x="145" y="618"/>
+                    <a:pt x="130" y="576"/>
+                    <a:pt x="116" y="534"/>
+                  </a:cubicBezTo>
+                  <a:cubicBezTo>
+                    <a:pt x="84" y="437"/>
+                    <a:pt x="59" y="337"/>
+                    <a:pt x="40" y="236"/>
+                  </a:cubicBezTo>
+                  <a:cubicBezTo>
+                    <a:pt x="29" y="175"/>
+                    <a:pt x="20" y="113"/>
+                    <a:pt x="12" y="51"/>
+                  </a:cubicBezTo>
+                  <a:cubicBezTo>
+                    <a:pt x="8" y="34"/>
+                    <a:pt x="4" y="17"/>
+                    <a:pt x="0" y="0"/>
+                  </a:cubicBezTo>
+                  <a:cubicBezTo>
+                    <a:pt x="8" y="79"/>
+                    <a:pt x="19" y="159"/>
+                    <a:pt x="33" y="237"/>
+                  </a:cubicBezTo>
+                  <a:cubicBezTo>
+                    <a:pt x="51" y="339"/>
+                    <a:pt x="76" y="439"/>
+                    <a:pt x="107" y="537"/>
+                  </a:cubicBezTo>
+                  <a:cubicBezTo>
+                    <a:pt x="123" y="586"/>
+                    <a:pt x="141" y="634"/>
+                    <a:pt x="160" y="681"/>
+                  </a:cubicBezTo>
+                  <a:cubicBezTo>
+                    <a:pt x="166" y="695"/>
+                    <a:pt x="172" y="708"/>
+                    <a:pt x="178" y="722"/>
+                  </a:cubicBezTo>
+                  <a:cubicBezTo>
+                    <a:pt x="176" y="717"/>
+                    <a:pt x="175" y="713"/>
+                    <a:pt x="174" y="708"/>
+                  </a:cubicBezTo>
+                  <a:cubicBezTo>
+                    <a:pt x="169" y="692"/>
+                    <a:pt x="165" y="676"/>
+                    <a:pt x="162" y="660"/>
+                  </a:cubicBezTo>
+                  <a:close/>
+                </a:path>
+              </a:pathLst>
+            </a:custGeom>
+            <a:solidFill>
+              <a:schemeClr val="tx2">
+                <a:alpha val="20000"/>
+              </a:schemeClr>
+            </a:solidFill>
+            <a:ln>
+              <a:noFill/>
+            </a:ln>
+          </p:spPr>
+        </p:sp>
+        <p:sp>
+          <p:nvSpPr>
+            <p:cNvPr id="28" name="Freeform 16">
+              <a:extLst>
+                <a:ext uri="{FF2B5EF4-FFF2-40B4-BE49-F238E27FC236}">
+                  <a16:creationId xmlns:a16="http://schemas.microsoft.com/office/drawing/2014/main" id="{172E6458-D7F5-4E0B-8098-F3A9B744636B}"/>
+                </a:ext>
+                <a:ext uri="{C183D7F6-B498-43B3-948B-1728B52AA6E4}">
+                  <adec:decorative xmlns:adec="http://schemas.microsoft.com/office/drawing/2017/decorative" val="1"/>
+                </a:ext>
+              </a:extLst>
+            </p:cNvPr>
+            <p:cNvSpPr/>
+            <p:nvPr>
+              <p:extLst>
+                <p:ext uri="{386F3935-93C4-4BCD-93E2-E3B085C9AB24}">
+                  <p16:designElem xmlns:p16="http://schemas.microsoft.com/office/powerpoint/2015/main" val="1"/>
+                </p:ext>
+              </p:extLst>
+            </p:nvPr>
+          </p:nvSpPr>
+          <p:spPr bwMode="auto">
+            <a:xfrm>
+              <a:off x="2506663" y="285750"/>
+              <a:ext cx="90488" cy="2493963"/>
+            </a:xfrm>
+            <a:custGeom>
+              <a:avLst/>
+              <a:gdLst/>
+              <a:ahLst/>
+              <a:cxnLst/>
+              <a:rect l="0" t="0" r="r" b="b"/>
+              <a:pathLst>
+                <a:path w="23" h="635">
+                  <a:moveTo>
+                    <a:pt x="11" y="577"/>
+                  </a:moveTo>
+                  <a:cubicBezTo>
+                    <a:pt x="12" y="581"/>
+                    <a:pt x="12" y="585"/>
+                    <a:pt x="12" y="589"/>
+                  </a:cubicBezTo>
+                  <a:cubicBezTo>
+                    <a:pt x="15" y="603"/>
+                    <a:pt x="19" y="617"/>
+                    <a:pt x="22" y="632"/>
+                  </a:cubicBezTo>
+                  <a:cubicBezTo>
+                    <a:pt x="22" y="633"/>
+                    <a:pt x="22" y="634"/>
+                    <a:pt x="23" y="635"/>
+                  </a:cubicBezTo>
+                  <a:cubicBezTo>
+                    <a:pt x="21" y="615"/>
+                    <a:pt x="19" y="596"/>
+                    <a:pt x="17" y="576"/>
+                  </a:cubicBezTo>
+                  <a:cubicBezTo>
+                    <a:pt x="9" y="474"/>
+                    <a:pt x="5" y="372"/>
+                    <a:pt x="5" y="269"/>
+                  </a:cubicBezTo>
+                  <a:cubicBezTo>
+                    <a:pt x="6" y="179"/>
+                    <a:pt x="9" y="90"/>
+                    <a:pt x="15" y="0"/>
+                  </a:cubicBezTo>
+                  <a:cubicBezTo>
+                    <a:pt x="12" y="0"/>
+                    <a:pt x="12" y="0"/>
+                    <a:pt x="12" y="0"/>
+                  </a:cubicBezTo>
+                  <a:cubicBezTo>
+                    <a:pt x="5" y="89"/>
+                    <a:pt x="2" y="179"/>
+                    <a:pt x="1" y="269"/>
+                  </a:cubicBezTo>
+                  <a:cubicBezTo>
+                    <a:pt x="0" y="372"/>
+                    <a:pt x="3" y="474"/>
+                    <a:pt x="11" y="577"/>
+                  </a:cubicBezTo>
+                  <a:close/>
+                </a:path>
+              </a:pathLst>
+            </a:custGeom>
+            <a:solidFill>
+              <a:schemeClr val="tx2">
+                <a:alpha val="20000"/>
+              </a:schemeClr>
+            </a:solidFill>
+            <a:ln>
+              <a:noFill/>
+            </a:ln>
+          </p:spPr>
+        </p:sp>
+        <p:sp>
+          <p:nvSpPr>
+            <p:cNvPr id="29" name="Freeform 17">
+              <a:extLst>
+                <a:ext uri="{FF2B5EF4-FFF2-40B4-BE49-F238E27FC236}">
+                  <a16:creationId xmlns:a16="http://schemas.microsoft.com/office/drawing/2014/main" id="{5D1FE182-350A-4951-99FA-123B15A19EEC}"/>
+                </a:ext>
+                <a:ext uri="{C183D7F6-B498-43B3-948B-1728B52AA6E4}">
+                  <adec:decorative xmlns:adec="http://schemas.microsoft.com/office/drawing/2017/decorative" val="1"/>
+                </a:ext>
+              </a:extLst>
+            </p:cNvPr>
+            <p:cNvSpPr/>
+            <p:nvPr>
+              <p:extLst>
+                <p:ext uri="{386F3935-93C4-4BCD-93E2-E3B085C9AB24}">
+                  <p16:designElem xmlns:p16="http://schemas.microsoft.com/office/powerpoint/2015/main" val="1"/>
+                </p:ext>
+              </p:extLst>
+            </p:nvPr>
+          </p:nvSpPr>
+          <p:spPr bwMode="auto">
+            <a:xfrm>
+              <a:off x="2554288" y="2598738"/>
+              <a:ext cx="66675" cy="420688"/>
+            </a:xfrm>
+            <a:custGeom>
+              <a:avLst/>
+              <a:gdLst/>
+              <a:ahLst/>
+              <a:cxnLst/>
+              <a:rect l="0" t="0" r="r" b="b"/>
+              <a:pathLst>
+                <a:path w="17" h="107">
+                  <a:moveTo>
+                    <a:pt x="0" y="0"/>
+                  </a:moveTo>
+                  <a:cubicBezTo>
+                    <a:pt x="2" y="19"/>
+                    <a:pt x="3" y="37"/>
+                    <a:pt x="5" y="56"/>
+                  </a:cubicBezTo>
+                  <a:cubicBezTo>
+                    <a:pt x="9" y="73"/>
+                    <a:pt x="13" y="90"/>
+                    <a:pt x="17" y="107"/>
+                  </a:cubicBezTo>
+                  <a:cubicBezTo>
+                    <a:pt x="15" y="87"/>
+                    <a:pt x="13" y="66"/>
+                    <a:pt x="11" y="46"/>
+                  </a:cubicBezTo>
+                  <a:cubicBezTo>
+                    <a:pt x="10" y="45"/>
+                    <a:pt x="10" y="44"/>
+                    <a:pt x="10" y="43"/>
+                  </a:cubicBezTo>
+                  <a:cubicBezTo>
+                    <a:pt x="7" y="28"/>
+                    <a:pt x="3" y="14"/>
+                    <a:pt x="0" y="0"/>
+                  </a:cubicBezTo>
+                  <a:close/>
+                </a:path>
+              </a:pathLst>
+            </a:custGeom>
+            <a:solidFill>
+              <a:schemeClr val="tx2">
+                <a:alpha val="20000"/>
+              </a:schemeClr>
+            </a:solidFill>
+            <a:ln>
+              <a:noFill/>
+            </a:ln>
+          </p:spPr>
+        </p:sp>
+        <p:sp>
+          <p:nvSpPr>
+            <p:cNvPr id="30" name="Freeform 18">
+              <a:extLst>
+                <a:ext uri="{FF2B5EF4-FFF2-40B4-BE49-F238E27FC236}">
+                  <a16:creationId xmlns:a16="http://schemas.microsoft.com/office/drawing/2014/main" id="{CBFDC3F8-18F5-41F0-9926-097682CEEAD2}"/>
+                </a:ext>
+                <a:ext uri="{C183D7F6-B498-43B3-948B-1728B52AA6E4}">
+                  <adec:decorative xmlns:adec="http://schemas.microsoft.com/office/drawing/2017/decorative" val="1"/>
+                </a:ext>
+              </a:extLst>
+            </p:cNvPr>
+            <p:cNvSpPr/>
+            <p:nvPr>
+              <p:extLst>
+                <p:ext uri="{386F3935-93C4-4BCD-93E2-E3B085C9AB24}">
+                  <p16:designElem xmlns:p16="http://schemas.microsoft.com/office/powerpoint/2015/main" val="1"/>
+                </p:ext>
+              </p:extLst>
+            </p:nvPr>
+          </p:nvSpPr>
+          <p:spPr bwMode="auto">
+            <a:xfrm>
+              <a:off x="3143251" y="4757738"/>
+              <a:ext cx="161925" cy="873125"/>
+            </a:xfrm>
+            <a:custGeom>
+              <a:avLst/>
+              <a:gdLst/>
+              <a:ahLst/>
+              <a:cxnLst/>
+              <a:rect l="0" t="0" r="r" b="b"/>
+              <a:pathLst>
+                <a:path w="41" h="222">
+                  <a:moveTo>
+                    <a:pt x="0" y="0"/>
+                  </a:moveTo>
+                  <a:cubicBezTo>
+                    <a:pt x="0" y="31"/>
+                    <a:pt x="2" y="62"/>
+                    <a:pt x="5" y="93"/>
+                  </a:cubicBezTo>
+                  <a:cubicBezTo>
+                    <a:pt x="8" y="117"/>
+                    <a:pt x="12" y="142"/>
+                    <a:pt x="17" y="166"/>
+                  </a:cubicBezTo>
+                  <a:cubicBezTo>
+                    <a:pt x="19" y="172"/>
+                    <a:pt x="22" y="178"/>
+                    <a:pt x="24" y="184"/>
+                  </a:cubicBezTo>
+                  <a:cubicBezTo>
+                    <a:pt x="30" y="197"/>
+                    <a:pt x="35" y="209"/>
+                    <a:pt x="41" y="222"/>
+                  </a:cubicBezTo>
+                  <a:cubicBezTo>
+                    <a:pt x="40" y="219"/>
+                    <a:pt x="39" y="215"/>
+                    <a:pt x="38" y="212"/>
+                  </a:cubicBezTo>
+                  <a:cubicBezTo>
+                    <a:pt x="26" y="172"/>
+                    <a:pt x="18" y="132"/>
+                    <a:pt x="13" y="92"/>
+                  </a:cubicBezTo>
+                  <a:cubicBezTo>
+                    <a:pt x="11" y="68"/>
+                    <a:pt x="9" y="45"/>
+                    <a:pt x="8" y="22"/>
+                  </a:cubicBezTo>
+                  <a:cubicBezTo>
+                    <a:pt x="8" y="21"/>
+                    <a:pt x="7" y="20"/>
+                    <a:pt x="7" y="18"/>
+                  </a:cubicBezTo>
+                  <a:cubicBezTo>
+                    <a:pt x="5" y="12"/>
+                    <a:pt x="2" y="6"/>
+                    <a:pt x="0" y="0"/>
+                  </a:cubicBezTo>
+                  <a:close/>
+                </a:path>
+              </a:pathLst>
+            </a:custGeom>
+            <a:solidFill>
+              <a:schemeClr val="tx2">
+                <a:alpha val="20000"/>
+              </a:schemeClr>
+            </a:solidFill>
+            <a:ln>
+              <a:noFill/>
+            </a:ln>
+          </p:spPr>
+        </p:sp>
+        <p:sp>
+          <p:nvSpPr>
+            <p:cNvPr id="31" name="Freeform 19">
+              <a:extLst>
+                <a:ext uri="{FF2B5EF4-FFF2-40B4-BE49-F238E27FC236}">
+                  <a16:creationId xmlns:a16="http://schemas.microsoft.com/office/drawing/2014/main" id="{F4B5A695-E6ED-4C81-A965-0461489F8B68}"/>
+                </a:ext>
+                <a:ext uri="{C183D7F6-B498-43B3-948B-1728B52AA6E4}">
+                  <adec:decorative xmlns:adec="http://schemas.microsoft.com/office/drawing/2017/decorative" val="1"/>
+                </a:ext>
+              </a:extLst>
+            </p:cNvPr>
+            <p:cNvSpPr/>
+            <p:nvPr>
+              <p:extLst>
+                <p:ext uri="{386F3935-93C4-4BCD-93E2-E3B085C9AB24}">
+                  <p16:designElem xmlns:p16="http://schemas.microsoft.com/office/powerpoint/2015/main" val="1"/>
+                </p:ext>
+              </p:extLst>
+            </p:nvPr>
+          </p:nvSpPr>
+          <p:spPr bwMode="auto">
+            <a:xfrm>
+              <a:off x="3148013" y="1282700"/>
+              <a:ext cx="1768475" cy="3448050"/>
+            </a:xfrm>
+            <a:custGeom>
+              <a:avLst/>
+              <a:gdLst/>
+              <a:ahLst/>
+              <a:cxnLst/>
+              <a:rect l="0" t="0" r="r" b="b"/>
+              <a:pathLst>
+                <a:path w="450" h="878">
+                  <a:moveTo>
+                    <a:pt x="7" y="854"/>
+                  </a:moveTo>
+                  <a:cubicBezTo>
+                    <a:pt x="10" y="772"/>
+                    <a:pt x="26" y="691"/>
+                    <a:pt x="50" y="613"/>
+                  </a:cubicBezTo>
+                  <a:cubicBezTo>
+                    <a:pt x="75" y="535"/>
+                    <a:pt x="109" y="460"/>
+                    <a:pt x="149" y="388"/>
+                  </a:cubicBezTo>
+                  <a:cubicBezTo>
+                    <a:pt x="189" y="316"/>
+                    <a:pt x="235" y="248"/>
+                    <a:pt x="285" y="183"/>
+                  </a:cubicBezTo>
+                  <a:cubicBezTo>
+                    <a:pt x="310" y="151"/>
+                    <a:pt x="337" y="119"/>
+                    <a:pt x="364" y="89"/>
+                  </a:cubicBezTo>
+                  <a:cubicBezTo>
+                    <a:pt x="378" y="74"/>
+                    <a:pt x="392" y="58"/>
+                    <a:pt x="406" y="44"/>
+                  </a:cubicBezTo>
+                  <a:cubicBezTo>
+                    <a:pt x="421" y="29"/>
+                    <a:pt x="435" y="15"/>
+                    <a:pt x="450" y="1"/>
+                  </a:cubicBezTo>
+                  <a:cubicBezTo>
+                    <a:pt x="450" y="0"/>
+                    <a:pt x="450" y="0"/>
+                    <a:pt x="450" y="0"/>
+                  </a:cubicBezTo>
+                  <a:cubicBezTo>
+                    <a:pt x="434" y="14"/>
+                    <a:pt x="420" y="28"/>
+                    <a:pt x="405" y="43"/>
+                  </a:cubicBezTo>
+                  <a:cubicBezTo>
+                    <a:pt x="391" y="57"/>
+                    <a:pt x="377" y="72"/>
+                    <a:pt x="363" y="88"/>
+                  </a:cubicBezTo>
+                  <a:cubicBezTo>
+                    <a:pt x="335" y="118"/>
+                    <a:pt x="308" y="149"/>
+                    <a:pt x="283" y="181"/>
+                  </a:cubicBezTo>
+                  <a:cubicBezTo>
+                    <a:pt x="232" y="246"/>
+                    <a:pt x="185" y="314"/>
+                    <a:pt x="145" y="386"/>
+                  </a:cubicBezTo>
+                  <a:cubicBezTo>
+                    <a:pt x="104" y="457"/>
+                    <a:pt x="70" y="533"/>
+                    <a:pt x="45" y="611"/>
+                  </a:cubicBezTo>
+                  <a:cubicBezTo>
+                    <a:pt x="19" y="690"/>
+                    <a:pt x="3" y="771"/>
+                    <a:pt x="0" y="854"/>
+                  </a:cubicBezTo>
+                  <a:cubicBezTo>
+                    <a:pt x="0" y="856"/>
+                    <a:pt x="0" y="857"/>
+                    <a:pt x="0" y="859"/>
+                  </a:cubicBezTo>
+                  <a:cubicBezTo>
+                    <a:pt x="2" y="865"/>
+                    <a:pt x="4" y="872"/>
+                    <a:pt x="7" y="878"/>
+                  </a:cubicBezTo>
+                  <a:cubicBezTo>
+                    <a:pt x="7" y="870"/>
+                    <a:pt x="7" y="862"/>
+                    <a:pt x="7" y="854"/>
+                  </a:cubicBezTo>
+                  <a:close/>
+                </a:path>
+              </a:pathLst>
+            </a:custGeom>
+            <a:solidFill>
+              <a:schemeClr val="tx2">
+                <a:alpha val="20000"/>
+              </a:schemeClr>
+            </a:solidFill>
+            <a:ln>
+              <a:noFill/>
+            </a:ln>
+          </p:spPr>
+        </p:sp>
+        <p:sp>
+          <p:nvSpPr>
+            <p:cNvPr id="32" name="Freeform 20">
+              <a:extLst>
+                <a:ext uri="{FF2B5EF4-FFF2-40B4-BE49-F238E27FC236}">
+                  <a16:creationId xmlns:a16="http://schemas.microsoft.com/office/drawing/2014/main" id="{CF31B175-CBC2-449D-8998-0BA7711EA3A5}"/>
+                </a:ext>
+                <a:ext uri="{C183D7F6-B498-43B3-948B-1728B52AA6E4}">
+                  <adec:decorative xmlns:adec="http://schemas.microsoft.com/office/drawing/2017/decorative" val="1"/>
+                </a:ext>
+              </a:extLst>
+            </p:cNvPr>
+            <p:cNvSpPr/>
+            <p:nvPr>
+              <p:extLst>
+                <p:ext uri="{386F3935-93C4-4BCD-93E2-E3B085C9AB24}">
+                  <p16:designElem xmlns:p16="http://schemas.microsoft.com/office/powerpoint/2015/main" val="1"/>
+                </p:ext>
+              </p:extLst>
+            </p:nvPr>
+          </p:nvSpPr>
+          <p:spPr bwMode="auto">
+            <a:xfrm>
+              <a:off x="3273426" y="5653088"/>
+              <a:ext cx="138113" cy="287338"/>
+            </a:xfrm>
+            <a:custGeom>
+              <a:avLst/>
+              <a:gdLst/>
+              <a:ahLst/>
+              <a:cxnLst/>
+              <a:rect l="0" t="0" r="r" b="b"/>
+              <a:pathLst>
+                <a:path w="35" h="73">
+                  <a:moveTo>
+                    <a:pt x="0" y="0"/>
+                  </a:moveTo>
+                  <a:cubicBezTo>
+                    <a:pt x="7" y="24"/>
+                    <a:pt x="16" y="49"/>
+                    <a:pt x="26" y="73"/>
+                  </a:cubicBezTo>
+                  <a:cubicBezTo>
+                    <a:pt x="35" y="73"/>
+                    <a:pt x="35" y="73"/>
+                    <a:pt x="35" y="73"/>
+                  </a:cubicBezTo>
+                  <a:cubicBezTo>
+                    <a:pt x="23" y="49"/>
+                    <a:pt x="11" y="24"/>
+                    <a:pt x="0" y="0"/>
+                  </a:cubicBezTo>
+                  <a:close/>
+                </a:path>
+              </a:pathLst>
+            </a:custGeom>
+            <a:solidFill>
+              <a:schemeClr val="tx2">
+                <a:alpha val="20000"/>
+              </a:schemeClr>
+            </a:solidFill>
+            <a:ln>
+              <a:noFill/>
+            </a:ln>
+          </p:spPr>
+        </p:sp>
+        <p:sp>
+          <p:nvSpPr>
+            <p:cNvPr id="33" name="Freeform 21">
+              <a:extLst>
+                <a:ext uri="{FF2B5EF4-FFF2-40B4-BE49-F238E27FC236}">
+                  <a16:creationId xmlns:a16="http://schemas.microsoft.com/office/drawing/2014/main" id="{47A691C8-6328-4014-BB1A-CB4824DEB5C7}"/>
+                </a:ext>
+                <a:ext uri="{C183D7F6-B498-43B3-948B-1728B52AA6E4}">
+                  <adec:decorative xmlns:adec="http://schemas.microsoft.com/office/drawing/2017/decorative" val="1"/>
+                </a:ext>
+              </a:extLst>
+            </p:cNvPr>
+            <p:cNvSpPr/>
+            <p:nvPr>
+              <p:extLst>
+                <p:ext uri="{386F3935-93C4-4BCD-93E2-E3B085C9AB24}">
+                  <p16:designElem xmlns:p16="http://schemas.microsoft.com/office/powerpoint/2015/main" val="1"/>
+                </p:ext>
+              </p:extLst>
+            </p:nvPr>
+          </p:nvSpPr>
+          <p:spPr bwMode="auto">
+            <a:xfrm>
+              <a:off x="3143251" y="4656138"/>
+              <a:ext cx="31750" cy="188913"/>
+            </a:xfrm>
+            <a:custGeom>
+              <a:avLst/>
+              <a:gdLst/>
+              <a:ahLst/>
+              <a:cxnLst/>
+              <a:rect l="0" t="0" r="r" b="b"/>
+              <a:pathLst>
+                <a:path w="8" h="48">
+                  <a:moveTo>
+                    <a:pt x="7" y="44"/>
+                  </a:moveTo>
+                  <a:cubicBezTo>
+                    <a:pt x="7" y="46"/>
+                    <a:pt x="8" y="47"/>
+                    <a:pt x="8" y="48"/>
+                  </a:cubicBezTo>
+                  <a:cubicBezTo>
+                    <a:pt x="8" y="38"/>
+                    <a:pt x="8" y="29"/>
+                    <a:pt x="8" y="19"/>
+                  </a:cubicBezTo>
+                  <a:cubicBezTo>
+                    <a:pt x="5" y="13"/>
+                    <a:pt x="3" y="6"/>
+                    <a:pt x="1" y="0"/>
+                  </a:cubicBezTo>
+                  <a:cubicBezTo>
+                    <a:pt x="0" y="9"/>
+                    <a:pt x="0" y="17"/>
+                    <a:pt x="0" y="26"/>
+                  </a:cubicBezTo>
+                  <a:cubicBezTo>
+                    <a:pt x="2" y="32"/>
+                    <a:pt x="5" y="38"/>
+                    <a:pt x="7" y="44"/>
+                  </a:cubicBezTo>
+                  <a:close/>
+                </a:path>
+              </a:pathLst>
+            </a:custGeom>
+            <a:solidFill>
+              <a:schemeClr val="tx2">
+                <a:alpha val="20000"/>
+              </a:schemeClr>
+            </a:solidFill>
+            <a:ln>
+              <a:noFill/>
+            </a:ln>
+          </p:spPr>
+        </p:sp>
+        <p:sp>
+          <p:nvSpPr>
+            <p:cNvPr id="34" name="Freeform 22">
+              <a:extLst>
+                <a:ext uri="{FF2B5EF4-FFF2-40B4-BE49-F238E27FC236}">
+                  <a16:creationId xmlns:a16="http://schemas.microsoft.com/office/drawing/2014/main" id="{94EADC73-ECA3-447E-8D07-AE215A3C4386}"/>
+                </a:ext>
+                <a:ext uri="{C183D7F6-B498-43B3-948B-1728B52AA6E4}">
+                  <adec:decorative xmlns:adec="http://schemas.microsoft.com/office/drawing/2017/decorative" val="1"/>
+                </a:ext>
+              </a:extLst>
+            </p:cNvPr>
+            <p:cNvSpPr/>
+            <p:nvPr>
+              <p:extLst>
+                <p:ext uri="{386F3935-93C4-4BCD-93E2-E3B085C9AB24}">
+                  <p16:designElem xmlns:p16="http://schemas.microsoft.com/office/powerpoint/2015/main" val="1"/>
+                </p:ext>
+              </p:extLst>
+            </p:nvPr>
+          </p:nvSpPr>
+          <p:spPr bwMode="auto">
+            <a:xfrm>
+              <a:off x="3211513" y="5410200"/>
+              <a:ext cx="203200" cy="530225"/>
+            </a:xfrm>
+            <a:custGeom>
+              <a:avLst/>
+              <a:gdLst/>
+              <a:ahLst/>
+              <a:cxnLst/>
+              <a:rect l="0" t="0" r="r" b="b"/>
+              <a:pathLst>
+                <a:path w="52" h="135">
+                  <a:moveTo>
+                    <a:pt x="7" y="18"/>
+                  </a:moveTo>
+                  <a:cubicBezTo>
+                    <a:pt x="5" y="12"/>
+                    <a:pt x="2" y="6"/>
+                    <a:pt x="0" y="0"/>
+                  </a:cubicBezTo>
+                  <a:cubicBezTo>
+                    <a:pt x="3" y="16"/>
+                    <a:pt x="7" y="32"/>
+                    <a:pt x="12" y="48"/>
+                  </a:cubicBezTo>
+                  <a:cubicBezTo>
+                    <a:pt x="13" y="53"/>
+                    <a:pt x="14" y="57"/>
+                    <a:pt x="16" y="62"/>
+                  </a:cubicBezTo>
+                  <a:cubicBezTo>
+                    <a:pt x="27" y="86"/>
+                    <a:pt x="39" y="111"/>
+                    <a:pt x="51" y="135"/>
+                  </a:cubicBezTo>
+                  <a:cubicBezTo>
+                    <a:pt x="52" y="135"/>
+                    <a:pt x="52" y="135"/>
+                    <a:pt x="52" y="135"/>
+                  </a:cubicBezTo>
+                  <a:cubicBezTo>
+                    <a:pt x="41" y="109"/>
+                    <a:pt x="32" y="83"/>
+                    <a:pt x="24" y="56"/>
+                  </a:cubicBezTo>
+                  <a:cubicBezTo>
+                    <a:pt x="18" y="43"/>
+                    <a:pt x="13" y="31"/>
+                    <a:pt x="7" y="18"/>
+                  </a:cubicBezTo>
+                  <a:close/>
+                </a:path>
+              </a:pathLst>
+            </a:custGeom>
+            <a:solidFill>
+              <a:schemeClr val="tx2">
+                <a:alpha val="20000"/>
+              </a:schemeClr>
+            </a:solidFill>
+            <a:ln>
+              <a:noFill/>
+            </a:ln>
+          </p:spPr>
+        </p:sp>
+      </p:grpSp>
+      <p:grpSp>
+        <p:nvGrpSpPr>
+          <p:cNvPr id="36" name="Group 35">
+            <a:extLst>
+              <a:ext uri="{FF2B5EF4-FFF2-40B4-BE49-F238E27FC236}">
+                <a16:creationId xmlns:a16="http://schemas.microsoft.com/office/drawing/2014/main" id="{CDA2558E-94AE-4C16-8CD0-DCF447C9876B}"/>
+              </a:ext>
+              <a:ext uri="{C183D7F6-B498-43B3-948B-1728B52AA6E4}">
+                <adec:decorative xmlns:adec="http://schemas.microsoft.com/office/drawing/2017/decorative" val="1"/>
+              </a:ext>
+            </a:extLst>
+          </p:cNvPr>
+          <p:cNvGrpSpPr>
+            <a:grpSpLocks noGrp="1" noUngrp="1" noRot="1" noChangeAspect="1" noMove="1" noResize="1"/>
+          </p:cNvGrpSpPr>
+          <p:nvPr>
+            <p:extLst>
+              <p:ext uri="{386F3935-93C4-4BCD-93E2-E3B085C9AB24}">
+                <p16:designElem xmlns:p16="http://schemas.microsoft.com/office/powerpoint/2015/main" val="1"/>
+              </p:ext>
+            </p:extLst>
+          </p:nvPr>
+        </p:nvGrpSpPr>
+        <p:grpSpPr>
+          <a:xfrm>
+            <a:off x="4677117" y="-786"/>
+            <a:ext cx="2356675" cy="6854040"/>
+            <a:chOff x="6627813" y="194833"/>
+            <a:chExt cx="1952625" cy="5678918"/>
+          </a:xfrm>
+        </p:grpSpPr>
+        <p:sp>
+          <p:nvSpPr>
+            <p:cNvPr id="37" name="Freeform 27">
+              <a:extLst>
+                <a:ext uri="{FF2B5EF4-FFF2-40B4-BE49-F238E27FC236}">
+                  <a16:creationId xmlns:a16="http://schemas.microsoft.com/office/drawing/2014/main" id="{6928DF6B-A616-4A71-B951-9D8EAA775650}"/>
+                </a:ext>
+                <a:ext uri="{C183D7F6-B498-43B3-948B-1728B52AA6E4}">
+                  <adec:decorative xmlns:adec="http://schemas.microsoft.com/office/drawing/2017/decorative" val="1"/>
+                </a:ext>
+              </a:extLst>
+            </p:cNvPr>
+            <p:cNvSpPr/>
+            <p:nvPr>
+              <p:extLst>
+                <p:ext uri="{386F3935-93C4-4BCD-93E2-E3B085C9AB24}">
+                  <p16:designElem xmlns:p16="http://schemas.microsoft.com/office/powerpoint/2015/main" val="1"/>
+                </p:ext>
+              </p:extLst>
+            </p:nvPr>
+          </p:nvSpPr>
+          <p:spPr bwMode="auto">
+            <a:xfrm>
+              <a:off x="6627813" y="194833"/>
+              <a:ext cx="409575" cy="3646488"/>
+            </a:xfrm>
+            <a:custGeom>
+              <a:avLst/>
+              <a:gdLst/>
+              <a:ahLst/>
+              <a:cxnLst/>
+              <a:rect l="0" t="0" r="r" b="b"/>
+              <a:pathLst>
+                <a:path w="103" h="920">
+                  <a:moveTo>
+                    <a:pt x="7" y="210"/>
+                  </a:moveTo>
+                  <a:cubicBezTo>
+                    <a:pt x="11" y="288"/>
+                    <a:pt x="17" y="367"/>
+                    <a:pt x="26" y="445"/>
+                  </a:cubicBezTo>
+                  <a:cubicBezTo>
+                    <a:pt x="34" y="523"/>
+                    <a:pt x="44" y="601"/>
+                    <a:pt x="57" y="679"/>
+                  </a:cubicBezTo>
+                  <a:cubicBezTo>
+                    <a:pt x="69" y="757"/>
+                    <a:pt x="84" y="834"/>
+                    <a:pt x="101" y="911"/>
+                  </a:cubicBezTo>
+                  <a:cubicBezTo>
+                    <a:pt x="102" y="914"/>
+                    <a:pt x="103" y="917"/>
+                    <a:pt x="103" y="920"/>
+                  </a:cubicBezTo>
+                  <a:cubicBezTo>
+                    <a:pt x="102" y="905"/>
+                    <a:pt x="100" y="889"/>
+                    <a:pt x="99" y="874"/>
+                  </a:cubicBezTo>
+                  <a:cubicBezTo>
+                    <a:pt x="99" y="871"/>
+                    <a:pt x="99" y="868"/>
+                    <a:pt x="99" y="866"/>
+                  </a:cubicBezTo>
+                  <a:cubicBezTo>
+                    <a:pt x="85" y="803"/>
+                    <a:pt x="73" y="741"/>
+                    <a:pt x="63" y="678"/>
+                  </a:cubicBezTo>
+                  <a:cubicBezTo>
+                    <a:pt x="50" y="600"/>
+                    <a:pt x="39" y="523"/>
+                    <a:pt x="30" y="444"/>
+                  </a:cubicBezTo>
+                  <a:cubicBezTo>
+                    <a:pt x="21" y="366"/>
+                    <a:pt x="14" y="288"/>
+                    <a:pt x="9" y="209"/>
+                  </a:cubicBezTo>
+                  <a:cubicBezTo>
+                    <a:pt x="7" y="170"/>
+                    <a:pt x="5" y="131"/>
+                    <a:pt x="3" y="92"/>
+                  </a:cubicBezTo>
+                  <a:cubicBezTo>
+                    <a:pt x="2" y="61"/>
+                    <a:pt x="1" y="31"/>
+                    <a:pt x="1" y="0"/>
+                  </a:cubicBezTo>
+                  <a:cubicBezTo>
+                    <a:pt x="0" y="0"/>
+                    <a:pt x="0" y="0"/>
+                    <a:pt x="0" y="0"/>
+                  </a:cubicBezTo>
+                  <a:cubicBezTo>
+                    <a:pt x="0" y="31"/>
+                    <a:pt x="1" y="61"/>
+                    <a:pt x="1" y="92"/>
+                  </a:cubicBezTo>
+                  <a:cubicBezTo>
+                    <a:pt x="3" y="131"/>
+                    <a:pt x="4" y="170"/>
+                    <a:pt x="7" y="210"/>
+                  </a:cubicBezTo>
+                  <a:close/>
+                </a:path>
+              </a:pathLst>
+            </a:custGeom>
+            <a:solidFill>
+              <a:schemeClr val="tx2"/>
+            </a:solidFill>
+            <a:ln>
+              <a:noFill/>
+            </a:ln>
+          </p:spPr>
+        </p:sp>
+        <p:sp>
+          <p:nvSpPr>
+            <p:cNvPr id="38" name="Freeform 28">
+              <a:extLst>
+                <a:ext uri="{FF2B5EF4-FFF2-40B4-BE49-F238E27FC236}">
+                  <a16:creationId xmlns:a16="http://schemas.microsoft.com/office/drawing/2014/main" id="{CD6B4E15-CED4-45FA-874A-EA347C912036}"/>
+                </a:ext>
+                <a:ext uri="{C183D7F6-B498-43B3-948B-1728B52AA6E4}">
+                  <adec:decorative xmlns:adec="http://schemas.microsoft.com/office/drawing/2017/decorative" val="1"/>
+                </a:ext>
+              </a:extLst>
+            </p:cNvPr>
+            <p:cNvSpPr/>
+            <p:nvPr>
+              <p:extLst>
+                <p:ext uri="{386F3935-93C4-4BCD-93E2-E3B085C9AB24}">
+                  <p16:designElem xmlns:p16="http://schemas.microsoft.com/office/powerpoint/2015/main" val="1"/>
+                </p:ext>
+              </p:extLst>
+            </p:nvPr>
+          </p:nvSpPr>
+          <p:spPr bwMode="auto">
+            <a:xfrm>
+              <a:off x="7061201" y="3771900"/>
+              <a:ext cx="350838" cy="1309688"/>
+            </a:xfrm>
+            <a:custGeom>
+              <a:avLst/>
+              <a:gdLst/>
+              <a:ahLst/>
+              <a:cxnLst/>
+              <a:rect l="0" t="0" r="r" b="b"/>
+              <a:pathLst>
+                <a:path w="88" h="330">
+                  <a:moveTo>
+                    <a:pt x="53" y="229"/>
+                  </a:moveTo>
+                  <a:cubicBezTo>
+                    <a:pt x="64" y="263"/>
+                    <a:pt x="75" y="297"/>
+                    <a:pt x="88" y="330"/>
+                  </a:cubicBezTo>
+                  <a:cubicBezTo>
+                    <a:pt x="88" y="323"/>
+                    <a:pt x="88" y="315"/>
+                    <a:pt x="88" y="308"/>
+                  </a:cubicBezTo>
+                  <a:cubicBezTo>
+                    <a:pt x="88" y="307"/>
+                    <a:pt x="88" y="305"/>
+                    <a:pt x="88" y="304"/>
+                  </a:cubicBezTo>
+                  <a:cubicBezTo>
+                    <a:pt x="79" y="278"/>
+                    <a:pt x="70" y="252"/>
+                    <a:pt x="62" y="226"/>
+                  </a:cubicBezTo>
+                  <a:cubicBezTo>
+                    <a:pt x="38" y="152"/>
+                    <a:pt x="17" y="76"/>
+                    <a:pt x="0" y="0"/>
+                  </a:cubicBezTo>
+                  <a:cubicBezTo>
+                    <a:pt x="2" y="21"/>
+                    <a:pt x="4" y="42"/>
+                    <a:pt x="7" y="63"/>
+                  </a:cubicBezTo>
+                  <a:cubicBezTo>
+                    <a:pt x="21" y="119"/>
+                    <a:pt x="36" y="174"/>
+                    <a:pt x="53" y="229"/>
+                  </a:cubicBezTo>
+                  <a:close/>
+                </a:path>
+              </a:pathLst>
+            </a:custGeom>
+            <a:solidFill>
+              <a:schemeClr val="tx2"/>
+            </a:solidFill>
+            <a:ln>
+              <a:noFill/>
+            </a:ln>
+          </p:spPr>
+        </p:sp>
+        <p:sp>
+          <p:nvSpPr>
+            <p:cNvPr id="39" name="Freeform 29">
+              <a:extLst>
+                <a:ext uri="{FF2B5EF4-FFF2-40B4-BE49-F238E27FC236}">
+                  <a16:creationId xmlns:a16="http://schemas.microsoft.com/office/drawing/2014/main" id="{A4EE38F8-BF90-4D7F-8691-89ED516D76CA}"/>
+                </a:ext>
+                <a:ext uri="{C183D7F6-B498-43B3-948B-1728B52AA6E4}">
+                  <adec:decorative xmlns:adec="http://schemas.microsoft.com/office/drawing/2017/decorative" val="1"/>
+                </a:ext>
+              </a:extLst>
+            </p:cNvPr>
+            <p:cNvSpPr/>
+            <p:nvPr>
+              <p:extLst>
+                <p:ext uri="{386F3935-93C4-4BCD-93E2-E3B085C9AB24}">
+                  <p16:designElem xmlns:p16="http://schemas.microsoft.com/office/powerpoint/2015/main" val="1"/>
+                </p:ext>
+              </p:extLst>
+            </p:nvPr>
+          </p:nvSpPr>
+          <p:spPr bwMode="auto">
+            <a:xfrm>
+              <a:off x="7439026" y="5053013"/>
+              <a:ext cx="357188" cy="820738"/>
+            </a:xfrm>
+            <a:custGeom>
+              <a:avLst/>
+              <a:gdLst/>
+              <a:ahLst/>
+              <a:cxnLst/>
+              <a:rect l="0" t="0" r="r" b="b"/>
+              <a:pathLst>
+                <a:path w="90" h="207">
+                  <a:moveTo>
+                    <a:pt x="6" y="15"/>
+                  </a:moveTo>
+                  <a:cubicBezTo>
+                    <a:pt x="4" y="10"/>
+                    <a:pt x="2" y="5"/>
+                    <a:pt x="0" y="0"/>
+                  </a:cubicBezTo>
+                  <a:cubicBezTo>
+                    <a:pt x="0" y="9"/>
+                    <a:pt x="0" y="19"/>
+                    <a:pt x="1" y="29"/>
+                  </a:cubicBezTo>
+                  <a:cubicBezTo>
+                    <a:pt x="14" y="62"/>
+                    <a:pt x="27" y="95"/>
+                    <a:pt x="42" y="127"/>
+                  </a:cubicBezTo>
+                  <a:cubicBezTo>
+                    <a:pt x="54" y="154"/>
+                    <a:pt x="67" y="181"/>
+                    <a:pt x="80" y="207"/>
+                  </a:cubicBezTo>
+                  <a:cubicBezTo>
+                    <a:pt x="90" y="207"/>
+                    <a:pt x="90" y="207"/>
+                    <a:pt x="90" y="207"/>
+                  </a:cubicBezTo>
+                  <a:cubicBezTo>
+                    <a:pt x="76" y="180"/>
+                    <a:pt x="63" y="152"/>
+                    <a:pt x="50" y="123"/>
+                  </a:cubicBezTo>
+                  <a:cubicBezTo>
+                    <a:pt x="34" y="88"/>
+                    <a:pt x="20" y="51"/>
+                    <a:pt x="6" y="15"/>
+                  </a:cubicBezTo>
+                  <a:close/>
+                </a:path>
+              </a:pathLst>
+            </a:custGeom>
+            <a:solidFill>
+              <a:schemeClr val="tx2"/>
+            </a:solidFill>
+            <a:ln>
+              <a:noFill/>
+            </a:ln>
+          </p:spPr>
+        </p:sp>
+        <p:sp>
+          <p:nvSpPr>
+            <p:cNvPr id="40" name="Freeform 30">
+              <a:extLst>
+                <a:ext uri="{FF2B5EF4-FFF2-40B4-BE49-F238E27FC236}">
+                  <a16:creationId xmlns:a16="http://schemas.microsoft.com/office/drawing/2014/main" id="{2889210F-D6E4-4311-8BF3-DAD3FF49A783}"/>
+                </a:ext>
+                <a:ext uri="{C183D7F6-B498-43B3-948B-1728B52AA6E4}">
+                  <adec:decorative xmlns:adec="http://schemas.microsoft.com/office/drawing/2017/decorative" val="1"/>
+                </a:ext>
+              </a:extLst>
+            </p:cNvPr>
+            <p:cNvSpPr/>
+            <p:nvPr>
+              <p:extLst>
+                <p:ext uri="{386F3935-93C4-4BCD-93E2-E3B085C9AB24}">
+                  <p16:designElem xmlns:p16="http://schemas.microsoft.com/office/powerpoint/2015/main" val="1"/>
+                </p:ext>
+              </p:extLst>
+            </p:nvPr>
+          </p:nvSpPr>
+          <p:spPr bwMode="auto">
+            <a:xfrm>
+              <a:off x="7037388" y="3811588"/>
+              <a:ext cx="457200" cy="1852613"/>
+            </a:xfrm>
+            <a:custGeom>
+              <a:avLst/>
+              <a:gdLst/>
+              <a:ahLst/>
+              <a:cxnLst/>
+              <a:rect l="0" t="0" r="r" b="b"/>
+              <a:pathLst>
+                <a:path w="115" h="467">
+                  <a:moveTo>
+                    <a:pt x="101" y="409"/>
+                  </a:moveTo>
+                  <a:cubicBezTo>
+                    <a:pt x="93" y="388"/>
+                    <a:pt x="85" y="366"/>
+                    <a:pt x="78" y="344"/>
+                  </a:cubicBezTo>
+                  <a:cubicBezTo>
+                    <a:pt x="57" y="281"/>
+                    <a:pt x="41" y="216"/>
+                    <a:pt x="29" y="151"/>
+                  </a:cubicBezTo>
+                  <a:cubicBezTo>
+                    <a:pt x="22" y="119"/>
+                    <a:pt x="17" y="86"/>
+                    <a:pt x="13" y="53"/>
+                  </a:cubicBezTo>
+                  <a:cubicBezTo>
+                    <a:pt x="9" y="35"/>
+                    <a:pt x="4" y="18"/>
+                    <a:pt x="0" y="0"/>
+                  </a:cubicBezTo>
+                  <a:cubicBezTo>
+                    <a:pt x="5" y="51"/>
+                    <a:pt x="12" y="102"/>
+                    <a:pt x="21" y="152"/>
+                  </a:cubicBezTo>
+                  <a:cubicBezTo>
+                    <a:pt x="33" y="218"/>
+                    <a:pt x="49" y="283"/>
+                    <a:pt x="69" y="347"/>
+                  </a:cubicBezTo>
+                  <a:cubicBezTo>
+                    <a:pt x="79" y="378"/>
+                    <a:pt x="90" y="410"/>
+                    <a:pt x="103" y="441"/>
+                  </a:cubicBezTo>
+                  <a:cubicBezTo>
+                    <a:pt x="107" y="449"/>
+                    <a:pt x="111" y="458"/>
+                    <a:pt x="115" y="467"/>
+                  </a:cubicBezTo>
+                  <a:cubicBezTo>
+                    <a:pt x="114" y="464"/>
+                    <a:pt x="113" y="461"/>
+                    <a:pt x="112" y="458"/>
+                  </a:cubicBezTo>
+                  <a:cubicBezTo>
+                    <a:pt x="108" y="442"/>
+                    <a:pt x="104" y="425"/>
+                    <a:pt x="101" y="409"/>
+                  </a:cubicBezTo>
+                  <a:close/>
+                </a:path>
+              </a:pathLst>
+            </a:custGeom>
+            <a:solidFill>
+              <a:schemeClr val="tx2"/>
+            </a:solidFill>
+            <a:ln>
+              <a:noFill/>
+            </a:ln>
+          </p:spPr>
+        </p:sp>
+        <p:sp>
+          <p:nvSpPr>
+            <p:cNvPr id="41" name="Freeform 31">
+              <a:extLst>
+                <a:ext uri="{FF2B5EF4-FFF2-40B4-BE49-F238E27FC236}">
+                  <a16:creationId xmlns:a16="http://schemas.microsoft.com/office/drawing/2014/main" id="{44641BAA-087D-4656-8D6F-EA70FB67F05B}"/>
+                </a:ext>
+                <a:ext uri="{C183D7F6-B498-43B3-948B-1728B52AA6E4}">
+                  <adec:decorative xmlns:adec="http://schemas.microsoft.com/office/drawing/2017/decorative" val="1"/>
+                </a:ext>
+              </a:extLst>
+            </p:cNvPr>
+            <p:cNvSpPr/>
+            <p:nvPr>
+              <p:extLst>
+                <p:ext uri="{386F3935-93C4-4BCD-93E2-E3B085C9AB24}">
+                  <p16:designElem xmlns:p16="http://schemas.microsoft.com/office/powerpoint/2015/main" val="1"/>
+                </p:ext>
+              </p:extLst>
+            </p:nvPr>
+          </p:nvSpPr>
+          <p:spPr bwMode="auto">
+            <a:xfrm>
+              <a:off x="6992938" y="1263650"/>
+              <a:ext cx="144463" cy="2508250"/>
+            </a:xfrm>
+            <a:custGeom>
+              <a:avLst/>
+              <a:gdLst/>
+              <a:ahLst/>
+              <a:cxnLst/>
+              <a:rect l="0" t="0" r="r" b="b"/>
+              <a:pathLst>
+                <a:path w="36" h="633">
+                  <a:moveTo>
+                    <a:pt x="17" y="633"/>
+                  </a:moveTo>
+                  <a:cubicBezTo>
+                    <a:pt x="15" y="621"/>
+                    <a:pt x="14" y="609"/>
+                    <a:pt x="13" y="597"/>
+                  </a:cubicBezTo>
+                  <a:cubicBezTo>
+                    <a:pt x="8" y="530"/>
+                    <a:pt x="5" y="464"/>
+                    <a:pt x="5" y="398"/>
+                  </a:cubicBezTo>
+                  <a:cubicBezTo>
+                    <a:pt x="5" y="331"/>
+                    <a:pt x="8" y="265"/>
+                    <a:pt x="13" y="198"/>
+                  </a:cubicBezTo>
+                  <a:cubicBezTo>
+                    <a:pt x="15" y="165"/>
+                    <a:pt x="18" y="132"/>
+                    <a:pt x="22" y="99"/>
+                  </a:cubicBezTo>
+                  <a:cubicBezTo>
+                    <a:pt x="26" y="66"/>
+                    <a:pt x="30" y="33"/>
+                    <a:pt x="36" y="0"/>
+                  </a:cubicBezTo>
+                  <a:cubicBezTo>
+                    <a:pt x="35" y="0"/>
+                    <a:pt x="35" y="0"/>
+                    <a:pt x="35" y="0"/>
+                  </a:cubicBezTo>
+                  <a:cubicBezTo>
+                    <a:pt x="29" y="33"/>
+                    <a:pt x="24" y="66"/>
+                    <a:pt x="20" y="99"/>
+                  </a:cubicBezTo>
+                  <a:cubicBezTo>
+                    <a:pt x="16" y="132"/>
+                    <a:pt x="13" y="165"/>
+                    <a:pt x="10" y="198"/>
+                  </a:cubicBezTo>
+                  <a:cubicBezTo>
+                    <a:pt x="4" y="264"/>
+                    <a:pt x="1" y="331"/>
+                    <a:pt x="1" y="398"/>
+                  </a:cubicBezTo>
+                  <a:cubicBezTo>
+                    <a:pt x="0" y="461"/>
+                    <a:pt x="2" y="525"/>
+                    <a:pt x="7" y="589"/>
+                  </a:cubicBezTo>
+                  <a:cubicBezTo>
+                    <a:pt x="10" y="603"/>
+                    <a:pt x="13" y="618"/>
+                    <a:pt x="16" y="632"/>
+                  </a:cubicBezTo>
+                  <a:cubicBezTo>
+                    <a:pt x="16" y="632"/>
+                    <a:pt x="17" y="633"/>
+                    <a:pt x="17" y="633"/>
+                  </a:cubicBezTo>
+                  <a:close/>
+                </a:path>
+              </a:pathLst>
+            </a:custGeom>
+            <a:solidFill>
+              <a:schemeClr val="tx2"/>
+            </a:solidFill>
+            <a:ln>
+              <a:noFill/>
+            </a:ln>
+          </p:spPr>
+        </p:sp>
+        <p:sp>
+          <p:nvSpPr>
+            <p:cNvPr id="42" name="Freeform 32">
+              <a:extLst>
+                <a:ext uri="{FF2B5EF4-FFF2-40B4-BE49-F238E27FC236}">
+                  <a16:creationId xmlns:a16="http://schemas.microsoft.com/office/drawing/2014/main" id="{DCEB55E2-FCCA-48F5-917E-8B3F26EC8324}"/>
+                </a:ext>
+                <a:ext uri="{C183D7F6-B498-43B3-948B-1728B52AA6E4}">
+                  <adec:decorative xmlns:adec="http://schemas.microsoft.com/office/drawing/2017/decorative" val="1"/>
+                </a:ext>
+              </a:extLst>
+            </p:cNvPr>
+            <p:cNvSpPr/>
+            <p:nvPr>
+              <p:extLst>
+                <p:ext uri="{386F3935-93C4-4BCD-93E2-E3B085C9AB24}">
+                  <p16:designElem xmlns:p16="http://schemas.microsoft.com/office/powerpoint/2015/main" val="1"/>
+                </p:ext>
+              </p:extLst>
+            </p:nvPr>
+          </p:nvSpPr>
+          <p:spPr bwMode="auto">
+            <a:xfrm>
+              <a:off x="7526338" y="5640388"/>
+              <a:ext cx="111125" cy="233363"/>
+            </a:xfrm>
+            <a:custGeom>
+              <a:avLst/>
+              <a:gdLst/>
+              <a:ahLst/>
+              <a:cxnLst/>
+              <a:rect l="0" t="0" r="r" b="b"/>
+              <a:pathLst>
+                <a:path w="28" h="59">
+                  <a:moveTo>
+                    <a:pt x="22" y="59"/>
+                  </a:moveTo>
+                  <a:cubicBezTo>
+                    <a:pt x="28" y="59"/>
+                    <a:pt x="28" y="59"/>
+                    <a:pt x="28" y="59"/>
+                  </a:cubicBezTo>
+                  <a:cubicBezTo>
+                    <a:pt x="18" y="40"/>
+                    <a:pt x="9" y="20"/>
+                    <a:pt x="0" y="0"/>
+                  </a:cubicBezTo>
+                  <a:cubicBezTo>
+                    <a:pt x="6" y="20"/>
+                    <a:pt x="13" y="40"/>
+                    <a:pt x="22" y="59"/>
+                  </a:cubicBezTo>
+                  <a:close/>
+                </a:path>
+              </a:pathLst>
+            </a:custGeom>
+            <a:solidFill>
+              <a:schemeClr val="tx2"/>
+            </a:solidFill>
+            <a:ln>
+              <a:noFill/>
+            </a:ln>
+          </p:spPr>
+        </p:sp>
+        <p:sp>
+          <p:nvSpPr>
+            <p:cNvPr id="43" name="Freeform 33">
+              <a:extLst>
+                <a:ext uri="{FF2B5EF4-FFF2-40B4-BE49-F238E27FC236}">
+                  <a16:creationId xmlns:a16="http://schemas.microsoft.com/office/drawing/2014/main" id="{45869B9E-3378-49CB-8EE1-FECA7D7809F0}"/>
+                </a:ext>
+                <a:ext uri="{C183D7F6-B498-43B3-948B-1728B52AA6E4}">
+                  <adec:decorative xmlns:adec="http://schemas.microsoft.com/office/drawing/2017/decorative" val="1"/>
+                </a:ext>
+              </a:extLst>
+            </p:cNvPr>
+            <p:cNvSpPr/>
+            <p:nvPr>
+              <p:extLst>
+                <p:ext uri="{386F3935-93C4-4BCD-93E2-E3B085C9AB24}">
+                  <p16:designElem xmlns:p16="http://schemas.microsoft.com/office/powerpoint/2015/main" val="1"/>
+                </p:ext>
+              </p:extLst>
+            </p:nvPr>
+          </p:nvSpPr>
+          <p:spPr bwMode="auto">
+            <a:xfrm>
+              <a:off x="7021513" y="3598863"/>
+              <a:ext cx="68263" cy="423863"/>
+            </a:xfrm>
+            <a:custGeom>
+              <a:avLst/>
+              <a:gdLst/>
+              <a:ahLst/>
+              <a:cxnLst/>
+              <a:rect l="0" t="0" r="r" b="b"/>
+              <a:pathLst>
+                <a:path w="17" h="107">
+                  <a:moveTo>
+                    <a:pt x="4" y="54"/>
+                  </a:moveTo>
+                  <a:cubicBezTo>
+                    <a:pt x="8" y="72"/>
+                    <a:pt x="13" y="89"/>
+                    <a:pt x="17" y="107"/>
+                  </a:cubicBezTo>
+                  <a:cubicBezTo>
+                    <a:pt x="14" y="86"/>
+                    <a:pt x="12" y="65"/>
+                    <a:pt x="10" y="44"/>
+                  </a:cubicBezTo>
+                  <a:cubicBezTo>
+                    <a:pt x="10" y="44"/>
+                    <a:pt x="9" y="43"/>
+                    <a:pt x="9" y="43"/>
+                  </a:cubicBezTo>
+                  <a:cubicBezTo>
+                    <a:pt x="6" y="29"/>
+                    <a:pt x="3" y="14"/>
+                    <a:pt x="0" y="0"/>
+                  </a:cubicBezTo>
+                  <a:cubicBezTo>
+                    <a:pt x="0" y="2"/>
+                    <a:pt x="0" y="5"/>
+                    <a:pt x="0" y="8"/>
+                  </a:cubicBezTo>
+                  <a:cubicBezTo>
+                    <a:pt x="1" y="23"/>
+                    <a:pt x="3" y="39"/>
+                    <a:pt x="4" y="54"/>
+                  </a:cubicBezTo>
+                  <a:close/>
+                </a:path>
+              </a:pathLst>
+            </a:custGeom>
+            <a:solidFill>
+              <a:schemeClr val="tx2"/>
+            </a:solidFill>
+            <a:ln>
+              <a:noFill/>
+            </a:ln>
+          </p:spPr>
+        </p:sp>
+        <p:sp>
+          <p:nvSpPr>
+            <p:cNvPr id="44" name="Freeform 34">
+              <a:extLst>
+                <a:ext uri="{FF2B5EF4-FFF2-40B4-BE49-F238E27FC236}">
+                  <a16:creationId xmlns:a16="http://schemas.microsoft.com/office/drawing/2014/main" id="{3497B8C7-AB4A-40B7-A86E-112D90CC6A71}"/>
+                </a:ext>
+                <a:ext uri="{C183D7F6-B498-43B3-948B-1728B52AA6E4}">
+                  <adec:decorative xmlns:adec="http://schemas.microsoft.com/office/drawing/2017/decorative" val="1"/>
+                </a:ext>
+              </a:extLst>
+            </p:cNvPr>
+            <p:cNvSpPr/>
+            <p:nvPr>
+              <p:extLst>
+                <p:ext uri="{386F3935-93C4-4BCD-93E2-E3B085C9AB24}">
+                  <p16:designElem xmlns:p16="http://schemas.microsoft.com/office/powerpoint/2015/main" val="1"/>
+                </p:ext>
+              </p:extLst>
+            </p:nvPr>
+          </p:nvSpPr>
+          <p:spPr bwMode="auto">
+            <a:xfrm>
+              <a:off x="7412038" y="2801938"/>
+              <a:ext cx="1168400" cy="2251075"/>
+            </a:xfrm>
+            <a:custGeom>
+              <a:avLst/>
+              <a:gdLst/>
+              <a:ahLst/>
+              <a:cxnLst/>
+              <a:rect l="0" t="0" r="r" b="b"/>
+              <a:pathLst>
+                <a:path w="294" h="568">
+                  <a:moveTo>
+                    <a:pt x="8" y="553"/>
+                  </a:moveTo>
+                  <a:cubicBezTo>
+                    <a:pt x="9" y="501"/>
+                    <a:pt x="19" y="448"/>
+                    <a:pt x="35" y="397"/>
+                  </a:cubicBezTo>
+                  <a:cubicBezTo>
+                    <a:pt x="51" y="347"/>
+                    <a:pt x="73" y="298"/>
+                    <a:pt x="99" y="252"/>
+                  </a:cubicBezTo>
+                  <a:cubicBezTo>
+                    <a:pt x="124" y="205"/>
+                    <a:pt x="154" y="161"/>
+                    <a:pt x="187" y="119"/>
+                  </a:cubicBezTo>
+                  <a:cubicBezTo>
+                    <a:pt x="203" y="98"/>
+                    <a:pt x="220" y="77"/>
+                    <a:pt x="238" y="58"/>
+                  </a:cubicBezTo>
+                  <a:cubicBezTo>
+                    <a:pt x="247" y="48"/>
+                    <a:pt x="256" y="38"/>
+                    <a:pt x="265" y="28"/>
+                  </a:cubicBezTo>
+                  <a:cubicBezTo>
+                    <a:pt x="274" y="19"/>
+                    <a:pt x="284" y="9"/>
+                    <a:pt x="294" y="0"/>
+                  </a:cubicBezTo>
+                  <a:cubicBezTo>
+                    <a:pt x="293" y="0"/>
+                    <a:pt x="293" y="0"/>
+                    <a:pt x="293" y="0"/>
+                  </a:cubicBezTo>
+                  <a:cubicBezTo>
+                    <a:pt x="283" y="9"/>
+                    <a:pt x="273" y="18"/>
+                    <a:pt x="264" y="27"/>
+                  </a:cubicBezTo>
+                  <a:cubicBezTo>
+                    <a:pt x="255" y="37"/>
+                    <a:pt x="246" y="47"/>
+                    <a:pt x="237" y="56"/>
+                  </a:cubicBezTo>
+                  <a:cubicBezTo>
+                    <a:pt x="218" y="76"/>
+                    <a:pt x="201" y="96"/>
+                    <a:pt x="185" y="117"/>
+                  </a:cubicBezTo>
+                  <a:cubicBezTo>
+                    <a:pt x="151" y="159"/>
+                    <a:pt x="121" y="203"/>
+                    <a:pt x="95" y="249"/>
+                  </a:cubicBezTo>
+                  <a:cubicBezTo>
+                    <a:pt x="68" y="296"/>
+                    <a:pt x="46" y="345"/>
+                    <a:pt x="30" y="396"/>
+                  </a:cubicBezTo>
+                  <a:cubicBezTo>
+                    <a:pt x="13" y="445"/>
+                    <a:pt x="3" y="497"/>
+                    <a:pt x="0" y="549"/>
+                  </a:cubicBezTo>
+                  <a:cubicBezTo>
+                    <a:pt x="3" y="555"/>
+                    <a:pt x="5" y="561"/>
+                    <a:pt x="7" y="568"/>
+                  </a:cubicBezTo>
+                  <a:cubicBezTo>
+                    <a:pt x="7" y="563"/>
+                    <a:pt x="7" y="558"/>
+                    <a:pt x="8" y="553"/>
+                  </a:cubicBezTo>
+                  <a:close/>
+                </a:path>
+              </a:pathLst>
+            </a:custGeom>
+            <a:solidFill>
+              <a:schemeClr val="tx2"/>
+            </a:solidFill>
+            <a:ln>
+              <a:noFill/>
+            </a:ln>
+          </p:spPr>
+        </p:sp>
+        <p:sp>
+          <p:nvSpPr>
+            <p:cNvPr id="45" name="Freeform 35">
+              <a:extLst>
+                <a:ext uri="{FF2B5EF4-FFF2-40B4-BE49-F238E27FC236}">
+                  <a16:creationId xmlns:a16="http://schemas.microsoft.com/office/drawing/2014/main" id="{D5A7E348-C28C-4626-9026-59B6B9F7A2E1}"/>
+                </a:ext>
+                <a:ext uri="{C183D7F6-B498-43B3-948B-1728B52AA6E4}">
+                  <adec:decorative xmlns:adec="http://schemas.microsoft.com/office/drawing/2017/decorative" val="1"/>
+                </a:ext>
+              </a:extLst>
+            </p:cNvPr>
+            <p:cNvSpPr/>
+            <p:nvPr>
+              <p:extLst>
+                <p:ext uri="{386F3935-93C4-4BCD-93E2-E3B085C9AB24}">
+                  <p16:designElem xmlns:p16="http://schemas.microsoft.com/office/powerpoint/2015/main" val="1"/>
+                </p:ext>
+              </p:extLst>
+            </p:nvPr>
+          </p:nvSpPr>
+          <p:spPr bwMode="auto">
+            <a:xfrm>
+              <a:off x="7494588" y="5664200"/>
+              <a:ext cx="100013" cy="209550"/>
+            </a:xfrm>
+            <a:custGeom>
+              <a:avLst/>
+              <a:gdLst/>
+              <a:ahLst/>
+              <a:cxnLst/>
+              <a:rect l="0" t="0" r="r" b="b"/>
+              <a:pathLst>
+                <a:path w="25" h="53">
+                  <a:moveTo>
+                    <a:pt x="0" y="0"/>
+                  </a:moveTo>
+                  <a:cubicBezTo>
+                    <a:pt x="5" y="18"/>
+                    <a:pt x="12" y="36"/>
+                    <a:pt x="19" y="53"/>
+                  </a:cubicBezTo>
+                  <a:cubicBezTo>
+                    <a:pt x="25" y="53"/>
+                    <a:pt x="25" y="53"/>
+                    <a:pt x="25" y="53"/>
+                  </a:cubicBezTo>
+                  <a:cubicBezTo>
+                    <a:pt x="16" y="36"/>
+                    <a:pt x="8" y="18"/>
+                    <a:pt x="0" y="0"/>
+                  </a:cubicBezTo>
+                  <a:close/>
+                </a:path>
+              </a:pathLst>
+            </a:custGeom>
+            <a:solidFill>
+              <a:schemeClr val="tx2"/>
+            </a:solidFill>
+            <a:ln>
+              <a:noFill/>
+            </a:ln>
+          </p:spPr>
+        </p:sp>
+        <p:sp>
+          <p:nvSpPr>
+            <p:cNvPr id="46" name="Freeform 36">
+              <a:extLst>
+                <a:ext uri="{FF2B5EF4-FFF2-40B4-BE49-F238E27FC236}">
+                  <a16:creationId xmlns:a16="http://schemas.microsoft.com/office/drawing/2014/main" id="{A4FF1CA0-E6B1-4861-A2CD-144E06299C22}"/>
+                </a:ext>
+                <a:ext uri="{C183D7F6-B498-43B3-948B-1728B52AA6E4}">
+                  <adec:decorative xmlns:adec="http://schemas.microsoft.com/office/drawing/2017/decorative" val="1"/>
+                </a:ext>
+              </a:extLst>
+            </p:cNvPr>
+            <p:cNvSpPr/>
+            <p:nvPr>
+              <p:extLst>
+                <p:ext uri="{386F3935-93C4-4BCD-93E2-E3B085C9AB24}">
+                  <p16:designElem xmlns:p16="http://schemas.microsoft.com/office/powerpoint/2015/main" val="1"/>
+                </p:ext>
+              </p:extLst>
+            </p:nvPr>
+          </p:nvSpPr>
+          <p:spPr bwMode="auto">
+            <a:xfrm>
+              <a:off x="7412038" y="5081588"/>
+              <a:ext cx="114300" cy="558800"/>
+            </a:xfrm>
+            <a:custGeom>
+              <a:avLst/>
+              <a:gdLst/>
+              <a:ahLst/>
+              <a:cxnLst/>
+              <a:rect l="0" t="0" r="r" b="b"/>
+              <a:pathLst>
+                <a:path w="29" h="141">
+                  <a:moveTo>
+                    <a:pt x="0" y="0"/>
+                  </a:moveTo>
+                  <a:cubicBezTo>
+                    <a:pt x="0" y="30"/>
+                    <a:pt x="2" y="60"/>
+                    <a:pt x="7" y="89"/>
+                  </a:cubicBezTo>
+                  <a:cubicBezTo>
+                    <a:pt x="11" y="98"/>
+                    <a:pt x="14" y="108"/>
+                    <a:pt x="18" y="117"/>
+                  </a:cubicBezTo>
+                  <a:cubicBezTo>
+                    <a:pt x="22" y="125"/>
+                    <a:pt x="25" y="133"/>
+                    <a:pt x="29" y="141"/>
+                  </a:cubicBezTo>
+                  <a:cubicBezTo>
+                    <a:pt x="28" y="139"/>
+                    <a:pt x="28" y="137"/>
+                    <a:pt x="27" y="135"/>
+                  </a:cubicBezTo>
+                  <a:cubicBezTo>
+                    <a:pt x="16" y="98"/>
+                    <a:pt x="10" y="60"/>
+                    <a:pt x="8" y="22"/>
+                  </a:cubicBezTo>
+                  <a:cubicBezTo>
+                    <a:pt x="7" y="18"/>
+                    <a:pt x="5" y="15"/>
+                    <a:pt x="4" y="11"/>
+                  </a:cubicBezTo>
+                  <a:cubicBezTo>
+                    <a:pt x="2" y="7"/>
+                    <a:pt x="1" y="3"/>
+                    <a:pt x="0" y="0"/>
+                  </a:cubicBezTo>
+                  <a:close/>
+                </a:path>
+              </a:pathLst>
+            </a:custGeom>
+            <a:solidFill>
+              <a:schemeClr val="tx2"/>
+            </a:solidFill>
+            <a:ln>
+              <a:noFill/>
+            </a:ln>
+          </p:spPr>
+        </p:sp>
+        <p:sp>
+          <p:nvSpPr>
+            <p:cNvPr id="47" name="Freeform 37">
+              <a:extLst>
+                <a:ext uri="{FF2B5EF4-FFF2-40B4-BE49-F238E27FC236}">
+                  <a16:creationId xmlns:a16="http://schemas.microsoft.com/office/drawing/2014/main" id="{774FF261-7109-4B0E-B24B-622F4209CE92}"/>
+                </a:ext>
+                <a:ext uri="{C183D7F6-B498-43B3-948B-1728B52AA6E4}">
+                  <adec:decorative xmlns:adec="http://schemas.microsoft.com/office/drawing/2017/decorative" val="1"/>
+                </a:ext>
+              </a:extLst>
+            </p:cNvPr>
+            <p:cNvSpPr/>
+            <p:nvPr>
+              <p:extLst>
+                <p:ext uri="{386F3935-93C4-4BCD-93E2-E3B085C9AB24}">
+                  <p16:designElem xmlns:p16="http://schemas.microsoft.com/office/powerpoint/2015/main" val="1"/>
+                </p:ext>
+              </p:extLst>
+            </p:nvPr>
+          </p:nvSpPr>
+          <p:spPr bwMode="auto">
+            <a:xfrm>
+              <a:off x="7412038" y="4978400"/>
+              <a:ext cx="31750" cy="188913"/>
+            </a:xfrm>
+            <a:custGeom>
+              <a:avLst/>
+              <a:gdLst/>
+              <a:ahLst/>
+              <a:cxnLst/>
+              <a:rect l="0" t="0" r="r" b="b"/>
+              <a:pathLst>
+                <a:path w="8" h="48">
+                  <a:moveTo>
+                    <a:pt x="0" y="26"/>
+                  </a:moveTo>
+                  <a:cubicBezTo>
+                    <a:pt x="1" y="29"/>
+                    <a:pt x="2" y="33"/>
+                    <a:pt x="4" y="37"/>
+                  </a:cubicBezTo>
+                  <a:cubicBezTo>
+                    <a:pt x="5" y="41"/>
+                    <a:pt x="7" y="44"/>
+                    <a:pt x="8" y="48"/>
+                  </a:cubicBezTo>
+                  <a:cubicBezTo>
+                    <a:pt x="7" y="38"/>
+                    <a:pt x="7" y="28"/>
+                    <a:pt x="7" y="19"/>
+                  </a:cubicBezTo>
+                  <a:cubicBezTo>
+                    <a:pt x="5" y="12"/>
+                    <a:pt x="3" y="6"/>
+                    <a:pt x="0" y="0"/>
+                  </a:cubicBezTo>
+                  <a:cubicBezTo>
+                    <a:pt x="0" y="1"/>
+                    <a:pt x="0" y="3"/>
+                    <a:pt x="0" y="4"/>
+                  </a:cubicBezTo>
+                  <a:cubicBezTo>
+                    <a:pt x="0" y="11"/>
+                    <a:pt x="0" y="19"/>
+                    <a:pt x="0" y="26"/>
+                  </a:cubicBezTo>
+                  <a:close/>
+                </a:path>
+              </a:pathLst>
+            </a:custGeom>
+            <a:solidFill>
+              <a:schemeClr val="tx2"/>
+            </a:solidFill>
+            <a:ln>
+              <a:noFill/>
+            </a:ln>
+          </p:spPr>
+        </p:sp>
+        <p:sp>
+          <p:nvSpPr>
+            <p:cNvPr id="48" name="Freeform 38">
+              <a:extLst>
+                <a:ext uri="{FF2B5EF4-FFF2-40B4-BE49-F238E27FC236}">
+                  <a16:creationId xmlns:a16="http://schemas.microsoft.com/office/drawing/2014/main" id="{3ECECA25-954F-4011-ADFF-BBFC4A00D3D7}"/>
+                </a:ext>
+                <a:ext uri="{C183D7F6-B498-43B3-948B-1728B52AA6E4}">
+                  <adec:decorative xmlns:adec="http://schemas.microsoft.com/office/drawing/2017/decorative" val="1"/>
+                </a:ext>
+              </a:extLst>
+            </p:cNvPr>
+            <p:cNvSpPr/>
+            <p:nvPr>
+              <p:extLst>
+                <p:ext uri="{386F3935-93C4-4BCD-93E2-E3B085C9AB24}">
+                  <p16:designElem xmlns:p16="http://schemas.microsoft.com/office/powerpoint/2015/main" val="1"/>
+                </p:ext>
+              </p:extLst>
+            </p:nvPr>
+          </p:nvSpPr>
+          <p:spPr bwMode="auto">
+            <a:xfrm>
+              <a:off x="7439026" y="5434013"/>
+              <a:ext cx="174625" cy="439738"/>
+            </a:xfrm>
+            <a:custGeom>
+              <a:avLst/>
+              <a:gdLst/>
+              <a:ahLst/>
+              <a:cxnLst/>
+              <a:rect l="0" t="0" r="r" b="b"/>
+              <a:pathLst>
+                <a:path w="44" h="111">
+                  <a:moveTo>
+                    <a:pt x="11" y="28"/>
+                  </a:moveTo>
+                  <a:cubicBezTo>
+                    <a:pt x="7" y="19"/>
+                    <a:pt x="4" y="9"/>
+                    <a:pt x="0" y="0"/>
+                  </a:cubicBezTo>
+                  <a:cubicBezTo>
+                    <a:pt x="3" y="16"/>
+                    <a:pt x="7" y="33"/>
+                    <a:pt x="11" y="49"/>
+                  </a:cubicBezTo>
+                  <a:cubicBezTo>
+                    <a:pt x="12" y="52"/>
+                    <a:pt x="13" y="55"/>
+                    <a:pt x="14" y="58"/>
+                  </a:cubicBezTo>
+                  <a:cubicBezTo>
+                    <a:pt x="22" y="76"/>
+                    <a:pt x="30" y="94"/>
+                    <a:pt x="39" y="111"/>
+                  </a:cubicBezTo>
+                  <a:cubicBezTo>
+                    <a:pt x="44" y="111"/>
+                    <a:pt x="44" y="111"/>
+                    <a:pt x="44" y="111"/>
+                  </a:cubicBezTo>
+                  <a:cubicBezTo>
+                    <a:pt x="35" y="92"/>
+                    <a:pt x="28" y="72"/>
+                    <a:pt x="22" y="52"/>
+                  </a:cubicBezTo>
+                  <a:cubicBezTo>
+                    <a:pt x="18" y="44"/>
+                    <a:pt x="15" y="36"/>
+                    <a:pt x="11" y="28"/>
+                  </a:cubicBezTo>
+                  <a:close/>
+                </a:path>
+              </a:pathLst>
+            </a:custGeom>
+            <a:solidFill>
+              <a:schemeClr val="tx2"/>
+            </a:solidFill>
+            <a:ln>
+              <a:noFill/>
+            </a:ln>
+          </p:spPr>
+        </p:sp>
+      </p:grpSp>
       <p:sp>
         <p:nvSpPr>
           <p:cNvPr id="2" name="Titlu 1">
@@ -9897,12 +12256,14 @@
         </p:nvSpPr>
         <p:spPr>
           <a:xfrm>
-            <a:off x="642258" y="624110"/>
-            <a:ext cx="10862356" cy="1280890"/>
+            <a:off x="6483096" y="624110"/>
+            <a:ext cx="5021516" cy="1280890"/>
           </a:xfrm>
         </p:spPr>
         <p:txBody>
-          <a:bodyPr/>
+          <a:bodyPr>
+            <a:normAutofit/>
+          </a:bodyPr>
           <a:lstStyle/>
           <a:p>
             <a:r>
@@ -9913,6 +12274,334 @@
           </a:p>
         </p:txBody>
       </p:sp>
+      <p:pic>
+        <p:nvPicPr>
+          <p:cNvPr id="8" name="Imagine 7" descr="O imagine care conține text, electronice&#10;&#10;Descriere generată automat">
+            <a:extLst>
+              <a:ext uri="{FF2B5EF4-FFF2-40B4-BE49-F238E27FC236}">
+                <a16:creationId xmlns:a16="http://schemas.microsoft.com/office/drawing/2014/main" id="{911222AB-1D67-4625-89CD-8B45678E51DB}"/>
+              </a:ext>
+            </a:extLst>
+          </p:cNvPr>
+          <p:cNvPicPr>
+            <a:picLocks noChangeAspect="1"/>
+          </p:cNvPicPr>
+          <p:nvPr/>
+        </p:nvPicPr>
+        <p:blipFill rotWithShape="1">
+          <a:blip r:embed="rId2">
+            <a:extLst>
+              <a:ext uri="{28A0092B-C50C-407E-A947-70E740481C1C}">
+                <a14:useLocalDpi xmlns:a14="http://schemas.microsoft.com/office/drawing/2010/main" val="0"/>
+              </a:ext>
+            </a:extLst>
+          </a:blip>
+          <a:srcRect r="-4" b="5090"/>
+          <a:stretch/>
+        </p:blipFill>
+        <p:spPr>
+          <a:xfrm>
+            <a:off x="20" y="10"/>
+            <a:ext cx="4646965" cy="3428990"/>
+          </a:xfrm>
+          <a:prstGeom prst="rect">
+            <a:avLst/>
+          </a:prstGeom>
+        </p:spPr>
+      </p:pic>
+      <p:sp>
+        <p:nvSpPr>
+          <p:cNvPr id="50" name="Rectangle 49">
+            <a:extLst>
+              <a:ext uri="{FF2B5EF4-FFF2-40B4-BE49-F238E27FC236}">
+                <a16:creationId xmlns:a16="http://schemas.microsoft.com/office/drawing/2014/main" id="{6D0FFBDB-89D1-4050-8FE5-AFC94C076569}"/>
+              </a:ext>
+              <a:ext uri="{C183D7F6-B498-43B3-948B-1728B52AA6E4}">
+                <adec:decorative xmlns:adec="http://schemas.microsoft.com/office/drawing/2017/decorative" val="1"/>
+              </a:ext>
+            </a:extLst>
+          </p:cNvPr>
+          <p:cNvSpPr>
+            <a:spLocks noGrp="1" noRot="1" noChangeAspect="1" noMove="1" noResize="1" noEditPoints="1" noAdjustHandles="1" noChangeArrowheads="1" noChangeShapeType="1" noTextEdit="1"/>
+          </p:cNvSpPr>
+          <p:nvPr>
+            <p:extLst>
+              <p:ext uri="{386F3935-93C4-4BCD-93E2-E3B085C9AB24}">
+                <p16:designElem xmlns:p16="http://schemas.microsoft.com/office/powerpoint/2015/main" val="1"/>
+              </p:ext>
+            </p:extLst>
+          </p:nvPr>
+        </p:nvSpPr>
+        <p:spPr>
+          <a:xfrm>
+            <a:off x="4645704" y="0"/>
+            <a:ext cx="182880" cy="6858000"/>
+          </a:xfrm>
+          <a:prstGeom prst="rect">
+            <a:avLst/>
+          </a:prstGeom>
+          <a:solidFill>
+            <a:schemeClr val="tx2"/>
+          </a:solidFill>
+          <a:ln>
+            <a:noFill/>
+          </a:ln>
+          <a:effectLst/>
+        </p:spPr>
+        <p:style>
+          <a:lnRef idx="1">
+            <a:schemeClr val="accent1"/>
+          </a:lnRef>
+          <a:fillRef idx="3">
+            <a:schemeClr val="accent1"/>
+          </a:fillRef>
+          <a:effectRef idx="2">
+            <a:schemeClr val="accent1"/>
+          </a:effectRef>
+          <a:fontRef idx="minor">
+            <a:schemeClr val="lt1"/>
+          </a:fontRef>
+        </p:style>
+      </p:sp>
+      <p:sp>
+        <p:nvSpPr>
+          <p:cNvPr id="52" name="Freeform 11">
+            <a:extLst>
+              <a:ext uri="{FF2B5EF4-FFF2-40B4-BE49-F238E27FC236}">
+                <a16:creationId xmlns:a16="http://schemas.microsoft.com/office/drawing/2014/main" id="{75823B85-53D1-46E0-BC58-872776B5A1FF}"/>
+              </a:ext>
+              <a:ext uri="{C183D7F6-B498-43B3-948B-1728B52AA6E4}">
+                <adec:decorative xmlns:adec="http://schemas.microsoft.com/office/drawing/2017/decorative" val="1"/>
+              </a:ext>
+            </a:extLst>
+          </p:cNvPr>
+          <p:cNvSpPr>
+            <a:spLocks noGrp="1" noRot="1" noChangeAspect="1" noMove="1" noResize="1" noEditPoints="1" noAdjustHandles="1" noChangeArrowheads="1" noChangeShapeType="1" noTextEdit="1"/>
+          </p:cNvSpPr>
+          <p:nvPr>
+            <p:extLst>
+              <p:ext uri="{386F3935-93C4-4BCD-93E2-E3B085C9AB24}">
+                <p16:designElem xmlns:p16="http://schemas.microsoft.com/office/powerpoint/2015/main" val="1"/>
+              </p:ext>
+            </p:extLst>
+          </p:nvPr>
+        </p:nvSpPr>
+        <p:spPr bwMode="auto">
+          <a:xfrm flipV="1">
+            <a:off x="4645704" y="714375"/>
+            <a:ext cx="1588527" cy="507297"/>
+          </a:xfrm>
+          <a:custGeom>
+            <a:avLst/>
+            <a:gdLst/>
+            <a:ahLst/>
+            <a:cxnLst/>
+            <a:rect l="l" t="t" r="r" b="b"/>
+            <a:pathLst>
+              <a:path w="9248" h="10000">
+                <a:moveTo>
+                  <a:pt x="9248" y="4701"/>
+                </a:moveTo>
+                <a:lnTo>
+                  <a:pt x="7915" y="188"/>
+                </a:lnTo>
+                <a:cubicBezTo>
+                  <a:pt x="7906" y="156"/>
+                  <a:pt x="7895" y="126"/>
+                  <a:pt x="7886" y="94"/>
+                </a:cubicBezTo>
+                <a:cubicBezTo>
+                  <a:pt x="7859" y="0"/>
+                  <a:pt x="7831" y="0"/>
+                  <a:pt x="7803" y="0"/>
+                </a:cubicBezTo>
+                <a:lnTo>
+                  <a:pt x="7275" y="0"/>
+                </a:lnTo>
+                <a:lnTo>
+                  <a:pt x="0" y="70"/>
+                </a:lnTo>
+                <a:cubicBezTo>
+                  <a:pt x="8" y="3380"/>
+                  <a:pt x="17" y="6690"/>
+                  <a:pt x="25" y="10000"/>
+                </a:cubicBezTo>
+                <a:lnTo>
+                  <a:pt x="7275" y="9966"/>
+                </a:lnTo>
+                <a:lnTo>
+                  <a:pt x="7803" y="9966"/>
+                </a:lnTo>
+                <a:cubicBezTo>
+                  <a:pt x="7831" y="9966"/>
+                  <a:pt x="7859" y="9872"/>
+                  <a:pt x="7886" y="9872"/>
+                </a:cubicBezTo>
+                <a:cubicBezTo>
+                  <a:pt x="7886" y="9778"/>
+                  <a:pt x="7915" y="9778"/>
+                  <a:pt x="7915" y="9778"/>
+                </a:cubicBezTo>
+                <a:lnTo>
+                  <a:pt x="9248" y="5265"/>
+                </a:lnTo>
+                <a:cubicBezTo>
+                  <a:pt x="9303" y="5077"/>
+                  <a:pt x="9303" y="4889"/>
+                  <a:pt x="9248" y="4701"/>
+                </a:cubicBezTo>
+                <a:close/>
+              </a:path>
+            </a:pathLst>
+          </a:custGeom>
+          <a:solidFill>
+            <a:schemeClr val="accent1"/>
+          </a:solidFill>
+          <a:ln>
+            <a:noFill/>
+          </a:ln>
+        </p:spPr>
+      </p:sp>
+      <p:sp>
+        <p:nvSpPr>
+          <p:cNvPr id="6" name="Substituent număr diapozitiv 5">
+            <a:extLst>
+              <a:ext uri="{FF2B5EF4-FFF2-40B4-BE49-F238E27FC236}">
+                <a16:creationId xmlns:a16="http://schemas.microsoft.com/office/drawing/2014/main" id="{549C937E-4289-4597-A04D-AACE5F022DFD}"/>
+              </a:ext>
+            </a:extLst>
+          </p:cNvPr>
+          <p:cNvSpPr>
+            <a:spLocks noGrp="1"/>
+          </p:cNvSpPr>
+          <p:nvPr>
+            <p:ph type="sldNum" sz="quarter" idx="12"/>
+          </p:nvPr>
+        </p:nvSpPr>
+        <p:spPr>
+          <a:xfrm>
+            <a:off x="5181705" y="787782"/>
+            <a:ext cx="779767" cy="365125"/>
+          </a:xfrm>
+        </p:spPr>
+        <p:txBody>
+          <a:bodyPr>
+            <a:normAutofit/>
+          </a:bodyPr>
+          <a:lstStyle/>
+          <a:p>
+            <a:pPr>
+              <a:lnSpc>
+                <a:spcPct val="90000"/>
+              </a:lnSpc>
+              <a:spcAft>
+                <a:spcPts val="600"/>
+              </a:spcAft>
+            </a:pPr>
+            <a:fld id="{FE899CAE-04D7-4AFC-956F-C57F365175A7}" type="slidenum">
+              <a:rPr lang="en-US" sz="1900"/>
+              <a:pPr>
+                <a:lnSpc>
+                  <a:spcPct val="90000"/>
+                </a:lnSpc>
+                <a:spcAft>
+                  <a:spcPts val="600"/>
+                </a:spcAft>
+              </a:pPr>
+              <a:t>4</a:t>
+            </a:fld>
+            <a:endParaRPr lang="en-US" sz="1900"/>
+          </a:p>
+        </p:txBody>
+      </p:sp>
+      <p:pic>
+        <p:nvPicPr>
+          <p:cNvPr id="5" name="Imagine 4" descr="O imagine care conține text, electronice&#10;&#10;Descriere generată automat">
+            <a:extLst>
+              <a:ext uri="{FF2B5EF4-FFF2-40B4-BE49-F238E27FC236}">
+                <a16:creationId xmlns:a16="http://schemas.microsoft.com/office/drawing/2014/main" id="{10A218BC-AB35-411A-9DB8-4DB3B536869A}"/>
+              </a:ext>
+            </a:extLst>
+          </p:cNvPr>
+          <p:cNvPicPr>
+            <a:picLocks noChangeAspect="1"/>
+          </p:cNvPicPr>
+          <p:nvPr/>
+        </p:nvPicPr>
+        <p:blipFill rotWithShape="1">
+          <a:blip r:embed="rId3">
+            <a:extLst>
+              <a:ext uri="{28A0092B-C50C-407E-A947-70E740481C1C}">
+                <a14:useLocalDpi xmlns:a14="http://schemas.microsoft.com/office/drawing/2010/main" val="0"/>
+              </a:ext>
+            </a:extLst>
+          </a:blip>
+          <a:srcRect l="1748" r="-1" b="-1"/>
+          <a:stretch/>
+        </p:blipFill>
+        <p:spPr>
+          <a:xfrm>
+            <a:off x="20" y="3429000"/>
+            <a:ext cx="4646965" cy="3429000"/>
+          </a:xfrm>
+          <a:prstGeom prst="rect">
+            <a:avLst/>
+          </a:prstGeom>
+        </p:spPr>
+      </p:pic>
+      <p:cxnSp>
+        <p:nvCxnSpPr>
+          <p:cNvPr id="54" name="Straight Connector 53">
+            <a:extLst>
+              <a:ext uri="{FF2B5EF4-FFF2-40B4-BE49-F238E27FC236}">
+                <a16:creationId xmlns:a16="http://schemas.microsoft.com/office/drawing/2014/main" id="{81F86B2C-5FF7-48E0-B5B0-ABEA39A1E2C9}"/>
+              </a:ext>
+              <a:ext uri="{C183D7F6-B498-43B3-948B-1728B52AA6E4}">
+                <adec:decorative xmlns:adec="http://schemas.microsoft.com/office/drawing/2017/decorative" val="1"/>
+              </a:ext>
+            </a:extLst>
+          </p:cNvPr>
+          <p:cNvCxnSpPr>
+            <a:cxnSpLocks noGrp="1" noRot="1" noChangeAspect="1" noMove="1" noResize="1" noEditPoints="1" noAdjustHandles="1" noChangeArrowheads="1" noChangeShapeType="1"/>
+          </p:cNvCxnSpPr>
+          <p:nvPr>
+            <p:extLst>
+              <p:ext uri="{386F3935-93C4-4BCD-93E2-E3B085C9AB24}">
+                <p16:designElem xmlns:p16="http://schemas.microsoft.com/office/powerpoint/2015/main" val="1"/>
+              </p:ext>
+            </p:extLst>
+          </p:nvPr>
+        </p:nvCxnSpPr>
+        <p:spPr>
+          <a:xfrm>
+            <a:off x="0" y="3429000"/>
+            <a:ext cx="4662638" cy="0"/>
+          </a:xfrm>
+          <a:prstGeom prst="line">
+            <a:avLst/>
+          </a:prstGeom>
+          <a:ln w="50800" cap="flat">
+            <a:solidFill>
+              <a:schemeClr val="tx2"/>
+            </a:solidFill>
+            <a:miter lim="800000"/>
+          </a:ln>
+        </p:spPr>
+        <p:style>
+          <a:lnRef idx="1">
+            <a:schemeClr val="accent1"/>
+          </a:lnRef>
+          <a:fillRef idx="0">
+            <a:schemeClr val="accent1"/>
+          </a:fillRef>
+          <a:effectRef idx="0">
+            <a:schemeClr val="accent1"/>
+          </a:effectRef>
+          <a:fontRef idx="minor">
+            <a:schemeClr val="tx1"/>
+          </a:fontRef>
+        </p:style>
+      </p:cxnSp>
       <p:sp>
         <p:nvSpPr>
           <p:cNvPr id="3" name="Substituent conținut 2">
@@ -9931,8 +12620,8 @@
         </p:nvSpPr>
         <p:spPr>
           <a:xfrm>
-            <a:off x="642256" y="2133600"/>
-            <a:ext cx="10862356" cy="3777622"/>
+            <a:off x="6438191" y="2133600"/>
+            <a:ext cx="5066419" cy="3777622"/>
           </a:xfrm>
         </p:spPr>
         <p:txBody>
@@ -9941,117 +12630,87 @@
           </a:bodyPr>
           <a:lstStyle/>
           <a:p>
-            <a:pPr algn="just">
+            <a:pPr>
               <a:buFont typeface="Arial" panose="020B0604020202020204" pitchFamily="34" charset="0"/>
               <a:buChar char="•"/>
             </a:pPr>
             <a:r>
-              <a:rPr lang="ro-RO" sz="2200" dirty="0"/>
+              <a:rPr lang="ro-RO"/>
               <a:t>Se produc și comercializează o serie de sisteme asemănătoare.</a:t>
             </a:r>
           </a:p>
           <a:p>
-            <a:pPr algn="just">
+            <a:pPr>
               <a:buFont typeface="Arial" panose="020B0604020202020204" pitchFamily="34" charset="0"/>
               <a:buChar char="•"/>
             </a:pPr>
             <a:r>
-              <a:rPr lang="ro-RO" sz="2200" dirty="0"/>
+              <a:rPr lang="ro-RO"/>
               <a:t>Printre cele mai importante se enumeră</a:t>
             </a:r>
             <a:r>
-              <a:rPr lang="en-US" sz="2200" dirty="0"/>
+              <a:rPr lang="en-US"/>
               <a:t>:</a:t>
             </a:r>
           </a:p>
           <a:p>
-            <a:pPr lvl="1" algn="just">
+            <a:pPr lvl="1">
               <a:buFont typeface="Wingdings" panose="05000000000000000000" pitchFamily="2" charset="2"/>
               <a:buChar char="Ø"/>
             </a:pPr>
             <a:r>
-              <a:rPr lang="en-US" sz="2000" dirty="0" err="1"/>
+              <a:rPr lang="en-US" err="1"/>
               <a:t>Ecobee</a:t>
             </a:r>
-            <a:endParaRPr lang="en-US" sz="2000" dirty="0"/>
-          </a:p>
-          <a:p>
-            <a:pPr lvl="1" algn="just">
+            <a:endParaRPr lang="en-US"/>
+          </a:p>
+          <a:p>
+            <a:pPr lvl="1">
               <a:buFont typeface="Wingdings" panose="05000000000000000000" pitchFamily="2" charset="2"/>
               <a:buChar char="Ø"/>
             </a:pPr>
             <a:r>
-              <a:rPr lang="en-US" sz="2000" dirty="0"/>
+              <a:rPr lang="en-US"/>
               <a:t>Nest</a:t>
             </a:r>
             <a:r>
-              <a:rPr lang="ro-RO" sz="2000" dirty="0"/>
+              <a:rPr lang="ro-RO"/>
               <a:t>  </a:t>
             </a:r>
-            <a:endParaRPr lang="en-US" sz="2000" dirty="0"/>
-          </a:p>
-          <a:p>
-            <a:pPr algn="just">
+            <a:endParaRPr lang="en-US"/>
+          </a:p>
+          <a:p>
+            <a:pPr>
               <a:buFont typeface="Arial" panose="020B0604020202020204" pitchFamily="34" charset="0"/>
               <a:buChar char="•"/>
             </a:pPr>
             <a:r>
-              <a:rPr lang="ro-RO" sz="2200" dirty="0"/>
+              <a:rPr lang="ro-RO"/>
               <a:t>Cum se diferențiază sistemul creat?</a:t>
             </a:r>
-            <a:endParaRPr lang="en-US" sz="2200" dirty="0"/>
-          </a:p>
-          <a:p>
-            <a:pPr lvl="1" algn="just">
+            <a:endParaRPr lang="en-US"/>
+          </a:p>
+          <a:p>
+            <a:pPr lvl="1">
               <a:buFont typeface="Wingdings" panose="05000000000000000000" pitchFamily="2" charset="2"/>
               <a:buChar char="Ø"/>
             </a:pPr>
             <a:r>
-              <a:rPr lang="ro-RO" sz="2000" dirty="0"/>
+              <a:rPr lang="ro-RO"/>
               <a:t>Cost scăzut</a:t>
             </a:r>
-            <a:endParaRPr lang="en-US" sz="2000" dirty="0"/>
-          </a:p>
-          <a:p>
-            <a:pPr lvl="1" algn="just">
+            <a:endParaRPr lang="en-US"/>
+          </a:p>
+          <a:p>
+            <a:pPr lvl="1">
               <a:buFont typeface="Wingdings" panose="05000000000000000000" pitchFamily="2" charset="2"/>
               <a:buChar char="Ø"/>
             </a:pPr>
             <a:r>
-              <a:rPr lang="ro-RO" sz="2000" dirty="0"/>
+              <a:rPr lang="ro-RO"/>
               <a:t>Posibilitatea de a regla temperatura pe diferite zone din imobil</a:t>
             </a:r>
-            <a:endParaRPr lang="en-US" sz="2000" dirty="0"/>
-          </a:p>
-        </p:txBody>
-      </p:sp>
-      <p:sp>
-        <p:nvSpPr>
-          <p:cNvPr id="6" name="Substituent număr diapozitiv 5">
-            <a:extLst>
-              <a:ext uri="{FF2B5EF4-FFF2-40B4-BE49-F238E27FC236}">
-                <a16:creationId xmlns:a16="http://schemas.microsoft.com/office/drawing/2014/main" id="{549C937E-4289-4597-A04D-AACE5F022DFD}"/>
-              </a:ext>
-            </a:extLst>
-          </p:cNvPr>
-          <p:cNvSpPr>
-            <a:spLocks noGrp="1"/>
-          </p:cNvSpPr>
-          <p:nvPr>
-            <p:ph type="sldNum" sz="quarter" idx="12"/>
-          </p:nvPr>
-        </p:nvSpPr>
-        <p:spPr/>
-        <p:txBody>
-          <a:bodyPr/>
-          <a:lstStyle/>
-          <a:p>
-            <a:fld id="{FE899CAE-04D7-4AFC-956F-C57F365175A7}" type="slidenum">
-              <a:rPr lang="en-US" smtClean="0"/>
-              <a:pPr/>
-              <a:t>4</a:t>
-            </a:fld>
-            <a:endParaRPr lang="en-US" dirty="0"/>
+            <a:endParaRPr lang="en-US"/>
           </a:p>
         </p:txBody>
       </p:sp>

--- a/Prezentare/Termostat inteligent controlat printr-o aplicație web2.pptx
+++ b/Prezentare/Termostat inteligent controlat printr-o aplicație web2.pptx
@@ -223,7 +223,7 @@
           <a:p>
             <a:fld id="{B8F87DBE-C843-456A-9381-003F0E3F9C44}" type="datetimeFigureOut">
               <a:rPr lang="en-US" smtClean="0"/>
-              <a:t>5/27/2021</a:t>
+              <a:t>5/29/2021</a:t>
             </a:fld>
             <a:endParaRPr lang="en-US"/>
           </a:p>
@@ -401,7 +401,7 @@
           <a:p>
             <a:fld id="{FB146702-3091-4893-9580-351D3F327990}" type="datetimeFigureOut">
               <a:rPr lang="en-US" smtClean="0"/>
-              <a:t>5/27/2021</a:t>
+              <a:t>5/29/2021</a:t>
             </a:fld>
             <a:endParaRPr lang="en-US"/>
           </a:p>
@@ -858,7 +858,7 @@
           <a:p>
             <a:fld id="{30F82038-E678-4ECF-BEDB-85A5C5D4839D}" type="datetime1">
               <a:rPr lang="en-US" smtClean="0"/>
-              <a:t>5/27/2021</a:t>
+              <a:t>5/29/2021</a:t>
             </a:fld>
             <a:endParaRPr lang="en-US"/>
           </a:p>
@@ -1196,7 +1196,7 @@
           <a:p>
             <a:fld id="{98FEAE57-41B8-4424-9352-E75A9291ED21}" type="datetime1">
               <a:rPr lang="en-US" smtClean="0"/>
-              <a:t>5/27/2021</a:t>
+              <a:t>5/29/2021</a:t>
             </a:fld>
             <a:endParaRPr lang="en-US"/>
           </a:p>
@@ -1597,7 +1597,7 @@
           <a:p>
             <a:fld id="{8B5AB100-4FF4-4F37-A93F-ABC989278D09}" type="datetime1">
               <a:rPr lang="en-US" smtClean="0"/>
-              <a:t>5/27/2021</a:t>
+              <a:t>5/29/2021</a:t>
             </a:fld>
             <a:endParaRPr lang="en-US"/>
           </a:p>
@@ -1933,7 +1933,7 @@
           <a:p>
             <a:fld id="{4A42E1C9-DE8F-45CF-9014-53AF507E26B6}" type="datetime1">
               <a:rPr lang="en-US" smtClean="0"/>
-              <a:t>5/27/2021</a:t>
+              <a:t>5/29/2021</a:t>
             </a:fld>
             <a:endParaRPr lang="en-US"/>
           </a:p>
@@ -2253,7 +2253,7 @@
           <a:p>
             <a:fld id="{691321E4-876A-446D-805C-931D38442A39}" type="datetime1">
               <a:rPr lang="en-US" smtClean="0"/>
-              <a:t>5/27/2021</a:t>
+              <a:t>5/29/2021</a:t>
             </a:fld>
             <a:endParaRPr lang="en-US"/>
           </a:p>
@@ -2649,7 +2649,7 @@
           <a:p>
             <a:fld id="{FE8C92CE-1D3F-4EAC-8D07-6011AB081639}" type="datetime1">
               <a:rPr lang="en-US" smtClean="0"/>
-              <a:t>5/27/2021</a:t>
+              <a:t>5/29/2021</a:t>
             </a:fld>
             <a:endParaRPr lang="en-US"/>
           </a:p>
@@ -2906,7 +2906,7 @@
           <a:p>
             <a:fld id="{BE952FF4-6C99-4BB7-8B86-45E6A3CD6E25}" type="datetime1">
               <a:rPr lang="en-US" smtClean="0"/>
-              <a:t>5/27/2021</a:t>
+              <a:t>5/29/2021</a:t>
             </a:fld>
             <a:endParaRPr lang="en-US"/>
           </a:p>
@@ -3168,7 +3168,7 @@
           <a:p>
             <a:fld id="{3793CB2C-024F-4230-8160-47AC7F613CD6}" type="datetime1">
               <a:rPr lang="en-US" smtClean="0"/>
-              <a:t>5/27/2021</a:t>
+              <a:t>5/29/2021</a:t>
             </a:fld>
             <a:endParaRPr lang="en-US"/>
           </a:p>
@@ -3435,7 +3435,7 @@
           <a:p>
             <a:fld id="{EF2F0734-55FC-4D31-BBAC-CFD270F97A82}" type="datetime1">
               <a:rPr lang="en-US" smtClean="0"/>
-              <a:t>5/27/2021</a:t>
+              <a:t>5/29/2021</a:t>
             </a:fld>
             <a:endParaRPr lang="en-US" dirty="0"/>
           </a:p>
@@ -3704,7 +3704,7 @@
           <a:p>
             <a:fld id="{A8035693-5B48-46BA-8731-C60905FDB4BB}" type="datetime1">
               <a:rPr lang="en-US" smtClean="0"/>
-              <a:t>5/27/2021</a:t>
+              <a:t>5/29/2021</a:t>
             </a:fld>
             <a:endParaRPr lang="en-US"/>
           </a:p>
@@ -4027,7 +4027,7 @@
           <a:p>
             <a:fld id="{4ED3114C-4F90-498B-9102-5DD35911FEC7}" type="datetime1">
               <a:rPr lang="en-US" smtClean="0"/>
-              <a:t>5/27/2021</a:t>
+              <a:t>5/29/2021</a:t>
             </a:fld>
             <a:endParaRPr lang="en-US"/>
           </a:p>
@@ -4484,7 +4484,7 @@
           <a:p>
             <a:fld id="{9043E49F-08D7-4685-B777-AA41236FB79C}" type="datetime1">
               <a:rPr lang="en-US" smtClean="0"/>
-              <a:t>5/27/2021</a:t>
+              <a:t>5/29/2021</a:t>
             </a:fld>
             <a:endParaRPr lang="en-US"/>
           </a:p>
@@ -4689,7 +4689,7 @@
           <a:p>
             <a:fld id="{A11EB4FF-AC58-4F96-BF45-BAC7049BEFBC}" type="datetime1">
               <a:rPr lang="en-US" smtClean="0"/>
-              <a:t>5/27/2021</a:t>
+              <a:t>5/29/2021</a:t>
             </a:fld>
             <a:endParaRPr lang="en-US"/>
           </a:p>
@@ -4866,7 +4866,7 @@
           <a:p>
             <a:fld id="{BFDC7A8E-631A-4994-9E85-C431A7496471}" type="datetime1">
               <a:rPr lang="en-US" smtClean="0"/>
-              <a:t>5/27/2021</a:t>
+              <a:t>5/29/2021</a:t>
             </a:fld>
             <a:endParaRPr lang="en-US"/>
           </a:p>
@@ -5199,7 +5199,7 @@
           <a:p>
             <a:fld id="{0DCF6632-148F-4474-BA59-DB71F1721872}" type="datetime1">
               <a:rPr lang="en-US" smtClean="0"/>
-              <a:t>5/27/2021</a:t>
+              <a:t>5/29/2021</a:t>
             </a:fld>
             <a:endParaRPr lang="en-US"/>
           </a:p>
@@ -5544,7 +5544,7 @@
           <a:p>
             <a:fld id="{7A070EAA-60D7-42AA-8723-1B0860A455E4}" type="datetime1">
               <a:rPr lang="en-US" smtClean="0"/>
-              <a:t>5/27/2021</a:t>
+              <a:t>5/29/2021</a:t>
             </a:fld>
             <a:endParaRPr lang="en-US"/>
           </a:p>
@@ -7683,7 +7683,7 @@
           <a:p>
             <a:fld id="{77CAE326-6785-470D-B4C6-EC533BA72C64}" type="datetime1">
               <a:rPr lang="en-US" smtClean="0"/>
-              <a:t>5/27/2021</a:t>
+              <a:t>5/29/2021</a:t>
             </a:fld>
             <a:endParaRPr lang="en-US"/>
           </a:p>
@@ -12480,13 +12480,13 @@
         </p:nvSpPr>
         <p:spPr>
           <a:xfrm>
-            <a:off x="5181705" y="787782"/>
+            <a:off x="11020425" y="6307638"/>
             <a:ext cx="779767" cy="365125"/>
           </a:xfrm>
         </p:spPr>
         <p:txBody>
           <a:bodyPr>
-            <a:normAutofit/>
+            <a:noAutofit/>
           </a:bodyPr>
           <a:lstStyle/>
           <a:p>
@@ -12499,7 +12499,7 @@
               </a:spcAft>
             </a:pPr>
             <a:fld id="{FE899CAE-04D7-4AFC-956F-C57F365175A7}" type="slidenum">
-              <a:rPr lang="en-US" sz="1900"/>
+              <a:rPr lang="en-US"/>
               <a:pPr>
                 <a:lnSpc>
                   <a:spcPct val="90000"/>
@@ -12510,7 +12510,7 @@
               </a:pPr>
               <a:t>4</a:t>
             </a:fld>
-            <a:endParaRPr lang="en-US" sz="1900"/>
+            <a:endParaRPr lang="en-US" dirty="0"/>
           </a:p>
         </p:txBody>
       </p:sp>
